--- a/Outils de visualisation de capture réseau.pptx
+++ b/Outils de visualisation de capture réseau.pptx
@@ -5,7 +5,7 @@
     <p:sldMasterId id="2147483648" r:id="rId1"/>
   </p:sldMasterIdLst>
   <p:notesMasterIdLst>
-    <p:notesMasterId r:id="rId16"/>
+    <p:notesMasterId r:id="rId20"/>
   </p:notesMasterIdLst>
   <p:sldIdLst>
     <p:sldId id="256" r:id="rId2"/>
@@ -19,9 +19,13 @@
     <p:sldId id="268" r:id="rId10"/>
     <p:sldId id="271" r:id="rId11"/>
     <p:sldId id="270" r:id="rId12"/>
-    <p:sldId id="263" r:id="rId13"/>
-    <p:sldId id="272" r:id="rId14"/>
-    <p:sldId id="273" r:id="rId15"/>
+    <p:sldId id="275" r:id="rId13"/>
+    <p:sldId id="276" r:id="rId14"/>
+    <p:sldId id="277" r:id="rId15"/>
+    <p:sldId id="263" r:id="rId16"/>
+    <p:sldId id="272" r:id="rId17"/>
+    <p:sldId id="274" r:id="rId18"/>
+    <p:sldId id="273" r:id="rId19"/>
   </p:sldIdLst>
   <p:sldSz cx="12192000" cy="6858000"/>
   <p:notesSz cx="6858000" cy="9144000"/>
@@ -210,7 +214,7 @@
           <a:p>
             <a:fld id="{29C83E6C-40B6-4DF7-B2E2-F703E66700A2}" type="datetimeFigureOut">
               <a:rPr lang="fr-FR" smtClean="0"/>
-              <a:t>15/12/2015</a:t>
+              <a:t>16/12/2015</a:t>
             </a:fld>
             <a:endParaRPr lang="fr-FR"/>
           </a:p>
@@ -627,7 +631,7 @@
           <a:p>
             <a:fld id="{6D9ED5D0-C663-444C-AB50-D90E1FD41D05}" type="slidenum">
               <a:rPr lang="fr-FR" smtClean="0"/>
-              <a:t>14</a:t>
+              <a:t>18</a:t>
             </a:fld>
             <a:endParaRPr lang="fr-FR"/>
           </a:p>
@@ -1148,7 +1152,7 @@
           <a:p>
             <a:fld id="{00E9EAD4-C926-4B8B-A4F7-4BE6E421E4C2}" type="datetime1">
               <a:rPr lang="en-US" smtClean="0"/>
-              <a:t>12/15/2015</a:t>
+              <a:t>12/16/2015</a:t>
             </a:fld>
             <a:endParaRPr lang="en-US" dirty="0"/>
           </a:p>
@@ -1444,7 +1448,7 @@
           <a:p>
             <a:fld id="{581B4B38-A6C9-45D6-8314-6945096249FD}" type="datetime1">
               <a:rPr lang="en-US" smtClean="0"/>
-              <a:t>12/15/2015</a:t>
+              <a:t>12/16/2015</a:t>
             </a:fld>
             <a:endParaRPr lang="en-US" dirty="0"/>
           </a:p>
@@ -1692,7 +1696,7 @@
           <a:p>
             <a:fld id="{5BABE05B-B8E7-4D72-BABE-A32F6DA188AB}" type="datetime1">
               <a:rPr lang="en-US" smtClean="0"/>
-              <a:t>12/15/2015</a:t>
+              <a:t>12/16/2015</a:t>
             </a:fld>
             <a:endParaRPr lang="en-US" dirty="0"/>
           </a:p>
@@ -2232,7 +2236,7 @@
           <a:p>
             <a:fld id="{F7B97766-5341-4C95-85B2-713CBFF7EAF3}" type="datetime1">
               <a:rPr lang="en-US" smtClean="0"/>
-              <a:t>12/15/2015</a:t>
+              <a:t>12/16/2015</a:t>
             </a:fld>
             <a:endParaRPr lang="en-US" dirty="0"/>
           </a:p>
@@ -2480,7 +2484,7 @@
           <a:p>
             <a:fld id="{39528A74-A6C0-4C95-8A92-C7FF16AF47CF}" type="datetime1">
               <a:rPr lang="en-US" smtClean="0"/>
-              <a:t>12/15/2015</a:t>
+              <a:t>12/16/2015</a:t>
             </a:fld>
             <a:endParaRPr lang="en-US" dirty="0"/>
           </a:p>
@@ -3012,7 +3016,7 @@
           <a:p>
             <a:fld id="{EDF64AB2-57DD-4E25-9E1B-38B44ACB1436}" type="datetime1">
               <a:rPr lang="en-US" smtClean="0"/>
-              <a:t>12/15/2015</a:t>
+              <a:t>12/16/2015</a:t>
             </a:fld>
             <a:endParaRPr lang="en-US" dirty="0"/>
           </a:p>
@@ -3309,7 +3313,7 @@
           <a:p>
             <a:fld id="{C901E06B-4A2E-47C3-B359-8555ED12CE45}" type="datetime1">
               <a:rPr lang="en-US" smtClean="0"/>
-              <a:t>12/15/2015</a:t>
+              <a:t>12/16/2015</a:t>
             </a:fld>
             <a:endParaRPr lang="en-US" dirty="0"/>
           </a:p>
@@ -3483,7 +3487,7 @@
           <a:p>
             <a:fld id="{07D15D2D-74CE-4639-96E1-F567065FF664}" type="datetime1">
               <a:rPr lang="en-US" smtClean="0"/>
-              <a:t>12/15/2015</a:t>
+              <a:t>12/16/2015</a:t>
             </a:fld>
             <a:endParaRPr lang="en-US" dirty="0"/>
           </a:p>
@@ -3663,7 +3667,7 @@
           <a:p>
             <a:fld id="{2939545B-2DE5-475A-8506-74CA7DE21467}" type="datetime1">
               <a:rPr lang="en-US" smtClean="0"/>
-              <a:t>12/15/2015</a:t>
+              <a:t>12/16/2015</a:t>
             </a:fld>
             <a:endParaRPr lang="en-US" dirty="0"/>
           </a:p>
@@ -3833,7 +3837,7 @@
           <a:p>
             <a:fld id="{1E9F4905-8AEE-49DF-9472-70497A0E91B4}" type="datetime1">
               <a:rPr lang="en-US" smtClean="0"/>
-              <a:t>12/15/2015</a:t>
+              <a:t>12/16/2015</a:t>
             </a:fld>
             <a:endParaRPr lang="en-US" dirty="0"/>
           </a:p>
@@ -4084,7 +4088,7 @@
           <a:p>
             <a:fld id="{19B510B9-D177-4200-8179-CA39B6DC0518}" type="datetime1">
               <a:rPr lang="en-US" smtClean="0"/>
-              <a:t>12/15/2015</a:t>
+              <a:t>12/16/2015</a:t>
             </a:fld>
             <a:endParaRPr lang="en-US" dirty="0"/>
           </a:p>
@@ -4381,7 +4385,7 @@
           <a:p>
             <a:fld id="{AB1F93A1-0D33-4A63-91AD-1E92492AD5CC}" type="datetime1">
               <a:rPr lang="en-US" smtClean="0"/>
-              <a:t>12/15/2015</a:t>
+              <a:t>12/16/2015</a:t>
             </a:fld>
             <a:endParaRPr lang="en-US" dirty="0"/>
           </a:p>
@@ -4823,7 +4827,7 @@
           <a:p>
             <a:fld id="{ABBCD0D1-17A5-4ADF-AA9E-3FCA4AE0C985}" type="datetime1">
               <a:rPr lang="en-US" smtClean="0"/>
-              <a:t>12/15/2015</a:t>
+              <a:t>12/16/2015</a:t>
             </a:fld>
             <a:endParaRPr lang="en-US" dirty="0"/>
           </a:p>
@@ -4941,7 +4945,7 @@
           <a:p>
             <a:fld id="{FB107B98-6743-446F-8AEA-6064604AFE0E}" type="datetime1">
               <a:rPr lang="en-US" smtClean="0"/>
-              <a:t>12/15/2015</a:t>
+              <a:t>12/16/2015</a:t>
             </a:fld>
             <a:endParaRPr lang="en-US" dirty="0"/>
           </a:p>
@@ -5036,7 +5040,7 @@
           <a:p>
             <a:fld id="{191E4130-0D16-4618-B141-0C7AE836E344}" type="datetime1">
               <a:rPr lang="en-US" smtClean="0"/>
-              <a:t>12/15/2015</a:t>
+              <a:t>12/16/2015</a:t>
             </a:fld>
             <a:endParaRPr lang="en-US" dirty="0"/>
           </a:p>
@@ -5319,7 +5323,7 @@
           <a:p>
             <a:fld id="{CC5F74CF-0229-417B-9F56-ED832D6E9968}" type="datetime1">
               <a:rPr lang="en-US" smtClean="0"/>
-              <a:t>12/15/2015</a:t>
+              <a:t>12/16/2015</a:t>
             </a:fld>
             <a:endParaRPr lang="en-US" dirty="0"/>
           </a:p>
@@ -5610,7 +5614,7 @@
           <a:p>
             <a:fld id="{CE5D3A7C-2C1D-438F-8A5C-BE43AA35AFA1}" type="datetime1">
               <a:rPr lang="en-US" smtClean="0"/>
-              <a:t>12/15/2015</a:t>
+              <a:t>12/16/2015</a:t>
             </a:fld>
             <a:endParaRPr lang="en-US" dirty="0"/>
           </a:p>
@@ -6140,7 +6144,7 @@
           <a:p>
             <a:fld id="{7E2C03DA-6DD8-4EE6-98D5-5AEE914510C6}" type="datetime1">
               <a:rPr lang="en-US" smtClean="0"/>
-              <a:t>12/15/2015</a:t>
+              <a:t>12/16/2015</a:t>
             </a:fld>
             <a:endParaRPr lang="en-US" dirty="0"/>
           </a:p>
@@ -6829,7 +6833,7 @@
             </a:r>
             <a:r>
               <a:rPr lang="fr-FR" dirty="0" smtClean="0"/>
-              <a:t>Analyse</a:t>
+              <a:t>Dissection</a:t>
             </a:r>
             <a:endParaRPr lang="fr-FR" dirty="0"/>
           </a:p>
@@ -6857,7 +6861,11 @@
           <a:p>
             <a:r>
               <a:rPr lang="fr-FR" dirty="0" smtClean="0"/>
-              <a:t>Analyse des paquets</a:t>
+              <a:t>Dissection </a:t>
+            </a:r>
+            <a:r>
+              <a:rPr lang="fr-FR" dirty="0" smtClean="0"/>
+              <a:t>des paquets</a:t>
             </a:r>
           </a:p>
           <a:p>
@@ -7274,7 +7282,11 @@
           <a:p>
             <a:r>
               <a:rPr lang="fr-FR" dirty="0" smtClean="0"/>
-              <a:t>Interface graphique Python</a:t>
+              <a:t>Visualisation </a:t>
+            </a:r>
+            <a:r>
+              <a:rPr lang="fr-FR" dirty="0" err="1" smtClean="0"/>
+              <a:t>parallele</a:t>
             </a:r>
             <a:endParaRPr lang="fr-FR" dirty="0" smtClean="0"/>
           </a:p>
@@ -7340,257 +7352,6 @@
           </a:p>
         </p:txBody>
       </p:sp>
-      <p:graphicFrame>
-        <p:nvGraphicFramePr>
-          <p:cNvPr id="6" name="Tableau 5"/>
-          <p:cNvGraphicFramePr>
-            <a:graphicFrameLocks noGrp="1"/>
-          </p:cNvGraphicFramePr>
-          <p:nvPr>
-            <p:extLst>
-              <p:ext uri="{D42A27DB-BD31-4B8C-83A1-F6EECF244321}">
-                <p14:modId xmlns:p14="http://schemas.microsoft.com/office/powerpoint/2010/main" val="306475626"/>
-              </p:ext>
-            </p:extLst>
-          </p:nvPr>
-        </p:nvGraphicFramePr>
-        <p:xfrm>
-          <a:off x="2050367" y="3249506"/>
-          <a:ext cx="9114939" cy="2123440"/>
-        </p:xfrm>
-        <a:graphic>
-          <a:graphicData uri="http://schemas.openxmlformats.org/drawingml/2006/table">
-            <a:tbl>
-              <a:tblPr firstRow="1" bandRow="1">
-                <a:tableStyleId>{5C22544A-7EE6-4342-B048-85BDC9FD1C3A}</a:tableStyleId>
-              </a:tblPr>
-              <a:tblGrid>
-                <a:gridCol w="1270349"/>
-                <a:gridCol w="4315326"/>
-                <a:gridCol w="3529264"/>
-              </a:tblGrid>
-              <a:tr h="370840">
-                <a:tc>
-                  <a:txBody>
-                    <a:bodyPr/>
-                    <a:lstStyle/>
-                    <a:p>
-                      <a:r>
-                        <a:rPr lang="fr-FR" dirty="0" smtClean="0"/>
-                        <a:t>Titre</a:t>
-                      </a:r>
-                      <a:endParaRPr lang="fr-FR" dirty="0"/>
-                    </a:p>
-                  </a:txBody>
-                  <a:tcPr/>
-                </a:tc>
-                <a:tc>
-                  <a:txBody>
-                    <a:bodyPr/>
-                    <a:lstStyle/>
-                    <a:p>
-                      <a:r>
-                        <a:rPr lang="fr-FR" dirty="0" smtClean="0"/>
-                        <a:t>Avantage</a:t>
-                      </a:r>
-                      <a:endParaRPr lang="fr-FR" dirty="0"/>
-                    </a:p>
-                  </a:txBody>
-                  <a:tcPr/>
-                </a:tc>
-                <a:tc>
-                  <a:txBody>
-                    <a:bodyPr/>
-                    <a:lstStyle/>
-                    <a:p>
-                      <a:r>
-                        <a:rPr lang="fr-FR" dirty="0" err="1" smtClean="0"/>
-                        <a:t>Inconvenient</a:t>
-                      </a:r>
-                      <a:endParaRPr lang="fr-FR" dirty="0"/>
-                    </a:p>
-                  </a:txBody>
-                  <a:tcPr/>
-                </a:tc>
-              </a:tr>
-              <a:tr h="370840">
-                <a:tc>
-                  <a:txBody>
-                    <a:bodyPr/>
-                    <a:lstStyle/>
-                    <a:p>
-                      <a:r>
-                        <a:rPr lang="fr-FR" dirty="0" err="1" smtClean="0"/>
-                        <a:t>PyGTK</a:t>
-                      </a:r>
-                      <a:endParaRPr lang="fr-FR" dirty="0"/>
-                    </a:p>
-                  </a:txBody>
-                  <a:tcPr/>
-                </a:tc>
-                <a:tc>
-                  <a:txBody>
-                    <a:bodyPr/>
-                    <a:lstStyle/>
-                    <a:p>
-                      <a:endParaRPr lang="fr-FR" dirty="0"/>
-                    </a:p>
-                  </a:txBody>
-                  <a:tcPr/>
-                </a:tc>
-                <a:tc>
-                  <a:txBody>
-                    <a:bodyPr/>
-                    <a:lstStyle/>
-                    <a:p>
-                      <a:r>
-                        <a:rPr lang="fr-FR" dirty="0" smtClean="0"/>
-                        <a:t>Pas d’interface Cross-Platform</a:t>
-                      </a:r>
-                      <a:endParaRPr lang="fr-FR" dirty="0"/>
-                    </a:p>
-                  </a:txBody>
-                  <a:tcPr/>
-                </a:tc>
-              </a:tr>
-              <a:tr h="370840">
-                <a:tc>
-                  <a:txBody>
-                    <a:bodyPr/>
-                    <a:lstStyle/>
-                    <a:p>
-                      <a:r>
-                        <a:rPr lang="fr-FR" dirty="0" err="1" smtClean="0"/>
-                        <a:t>PyGUI</a:t>
-                      </a:r>
-                      <a:endParaRPr lang="fr-FR" dirty="0"/>
-                    </a:p>
-                  </a:txBody>
-                  <a:tcPr/>
-                </a:tc>
-                <a:tc>
-                  <a:txBody>
-                    <a:bodyPr/>
-                    <a:lstStyle/>
-                    <a:p>
-                      <a:r>
-                        <a:rPr lang="fr-FR" dirty="0" smtClean="0"/>
-                        <a:t>Simple</a:t>
-                      </a:r>
-                      <a:r>
-                        <a:rPr lang="fr-FR" baseline="0" dirty="0" smtClean="0"/>
-                        <a:t> d’utilisation</a:t>
-                      </a:r>
-                      <a:endParaRPr lang="fr-FR" dirty="0"/>
-                    </a:p>
-                  </a:txBody>
-                  <a:tcPr/>
-                </a:tc>
-                <a:tc>
-                  <a:txBody>
-                    <a:bodyPr/>
-                    <a:lstStyle/>
-                    <a:p>
-                      <a:endParaRPr lang="fr-FR"/>
-                    </a:p>
-                  </a:txBody>
-                  <a:tcPr/>
-                </a:tc>
-              </a:tr>
-              <a:tr h="370840">
-                <a:tc>
-                  <a:txBody>
-                    <a:bodyPr/>
-                    <a:lstStyle/>
-                    <a:p>
-                      <a:r>
-                        <a:rPr lang="fr-FR" dirty="0" err="1" smtClean="0"/>
-                        <a:t>wxPython</a:t>
-                      </a:r>
-                      <a:endParaRPr lang="fr-FR" dirty="0" smtClean="0"/>
-                    </a:p>
-                  </a:txBody>
-                  <a:tcPr/>
-                </a:tc>
-                <a:tc>
-                  <a:txBody>
-                    <a:bodyPr/>
-                    <a:lstStyle/>
-                    <a:p>
-                      <a:r>
-                        <a:rPr lang="fr-FR" dirty="0" smtClean="0"/>
-                        <a:t>Beaucoup de </a:t>
-                      </a:r>
-                      <a:r>
-                        <a:rPr lang="fr-FR" dirty="0" err="1" smtClean="0"/>
-                        <a:t>documentaiton</a:t>
-                      </a:r>
-                      <a:endParaRPr lang="fr-FR" dirty="0"/>
-                    </a:p>
-                  </a:txBody>
-                  <a:tcPr/>
-                </a:tc>
-                <a:tc>
-                  <a:txBody>
-                    <a:bodyPr/>
-                    <a:lstStyle/>
-                    <a:p>
-                      <a:endParaRPr lang="fr-FR"/>
-                    </a:p>
-                  </a:txBody>
-                  <a:tcPr/>
-                </a:tc>
-              </a:tr>
-              <a:tr h="370840">
-                <a:tc>
-                  <a:txBody>
-                    <a:bodyPr/>
-                    <a:lstStyle/>
-                    <a:p>
-                      <a:r>
-                        <a:rPr lang="fr-FR" dirty="0" smtClean="0"/>
-                        <a:t>PyQt4</a:t>
-                      </a:r>
-                      <a:endParaRPr lang="fr-FR" dirty="0" smtClean="0"/>
-                    </a:p>
-                  </a:txBody>
-                  <a:tcPr/>
-                </a:tc>
-                <a:tc>
-                  <a:txBody>
-                    <a:bodyPr/>
-                    <a:lstStyle/>
-                    <a:p>
-                      <a:r>
-                        <a:rPr lang="fr-FR" dirty="0" smtClean="0"/>
-                        <a:t>Bonne Documentation</a:t>
-                      </a:r>
-                    </a:p>
-                    <a:p>
-                      <a:r>
-                        <a:rPr lang="fr-FR" dirty="0" smtClean="0"/>
-                        <a:t>Interface Cross-Platform</a:t>
-                      </a:r>
-                      <a:endParaRPr lang="fr-FR" dirty="0"/>
-                    </a:p>
-                  </a:txBody>
-                  <a:tcPr/>
-                </a:tc>
-                <a:tc>
-                  <a:txBody>
-                    <a:bodyPr/>
-                    <a:lstStyle/>
-                    <a:p>
-                      <a:endParaRPr lang="fr-FR" dirty="0"/>
-                    </a:p>
-                  </a:txBody>
-                  <a:tcPr/>
-                </a:tc>
-              </a:tr>
-            </a:tbl>
-          </a:graphicData>
-        </a:graphic>
-      </p:graphicFrame>
     </p:spTree>
     <p:extLst>
       <p:ext uri="{BB962C8B-B14F-4D97-AF65-F5344CB8AC3E}">
@@ -7638,7 +7399,7 @@
           <a:p>
             <a:r>
               <a:rPr lang="fr-FR" dirty="0" smtClean="0"/>
-              <a:t>Solutions retenues</a:t>
+              <a:t>Etat de l’art - Visualisation</a:t>
             </a:r>
             <a:endParaRPr lang="fr-FR" dirty="0"/>
           </a:p>
@@ -7654,64 +7415,33 @@
             <p:ph idx="1"/>
           </p:nvPr>
         </p:nvSpPr>
-        <p:spPr/>
+        <p:spPr>
+          <a:xfrm>
+            <a:off x="1484310" y="975361"/>
+            <a:ext cx="10018713" cy="4815840"/>
+          </a:xfrm>
+        </p:spPr>
         <p:txBody>
           <a:bodyPr/>
           <a:lstStyle/>
           <a:p>
             <a:r>
               <a:rPr lang="fr-FR" dirty="0" smtClean="0"/>
-              <a:t>Fichier de base : </a:t>
-            </a:r>
-            <a:r>
-              <a:rPr lang="fr-FR" dirty="0" err="1" smtClean="0"/>
-              <a:t>pcap</a:t>
+              <a:t>Diagramme de chaleur</a:t>
             </a:r>
             <a:endParaRPr lang="fr-FR" dirty="0" smtClean="0"/>
           </a:p>
           <a:p>
+            <a:pPr marL="0" indent="0">
+              <a:buNone/>
+            </a:pPr>
             <a:r>
               <a:rPr lang="fr-FR" dirty="0" smtClean="0"/>
-              <a:t>Analyse des paquets : </a:t>
-            </a:r>
-            <a:r>
-              <a:rPr lang="fr-FR" dirty="0" err="1" smtClean="0"/>
-              <a:t>Scapy</a:t>
-            </a:r>
-            <a:r>
-              <a:rPr lang="fr-FR" dirty="0" smtClean="0"/>
-              <a:t>, </a:t>
-            </a:r>
-            <a:r>
-              <a:rPr lang="fr-FR" dirty="0" err="1" smtClean="0"/>
-              <a:t>ettercap</a:t>
-            </a:r>
-            <a:r>
-              <a:rPr lang="fr-FR" dirty="0" smtClean="0"/>
-              <a:t>, </a:t>
-            </a:r>
-            <a:r>
-              <a:rPr lang="fr-FR" dirty="0" err="1" smtClean="0"/>
-              <a:t>ChaosReader,dsniff</a:t>
-            </a:r>
-            <a:endParaRPr lang="fr-FR" dirty="0" smtClean="0"/>
-          </a:p>
-          <a:p>
-            <a:r>
-              <a:rPr lang="fr-FR" dirty="0" smtClean="0"/>
-              <a:t>Visualisation : </a:t>
-            </a:r>
-            <a:r>
-              <a:rPr lang="fr-FR" dirty="0" err="1" smtClean="0"/>
-              <a:t>PyQt</a:t>
-            </a:r>
-            <a:endParaRPr lang="fr-FR" dirty="0" smtClean="0"/>
-          </a:p>
-          <a:p>
-            <a:r>
-              <a:rPr lang="fr-FR" dirty="0" smtClean="0"/>
-              <a:t>Génération des paquets : Fichier internet / Génération perso</a:t>
-            </a:r>
+              <a:t> </a:t>
+            </a:r>
+          </a:p>
+          <a:p>
+            <a:pPr lvl="1"/>
             <a:endParaRPr lang="fr-FR" dirty="0"/>
           </a:p>
         </p:txBody>
@@ -7766,7 +7496,7 @@
     </p:spTree>
     <p:extLst>
       <p:ext uri="{BB962C8B-B14F-4D97-AF65-F5344CB8AC3E}">
-        <p14:creationId xmlns:p14="http://schemas.microsoft.com/office/powerpoint/2010/main" val="3954845516"/>
+        <p14:creationId xmlns:p14="http://schemas.microsoft.com/office/powerpoint/2010/main" val="2514642385"/>
       </p:ext>
     </p:extLst>
   </p:cSld>
@@ -7810,7 +7540,7 @@
           <a:p>
             <a:r>
               <a:rPr lang="fr-FR" dirty="0" smtClean="0"/>
-              <a:t>Design</a:t>
+              <a:t>Etat de l’art - Visualisation</a:t>
             </a:r>
             <a:endParaRPr lang="fr-FR" dirty="0"/>
           </a:p>
@@ -7826,12 +7556,38 @@
             <p:ph idx="1"/>
           </p:nvPr>
         </p:nvSpPr>
-        <p:spPr/>
-        <p:txBody>
-          <a:bodyPr/>
-          <a:lstStyle/>
-          <a:p>
-            <a:endParaRPr lang="fr-FR"/>
+        <p:spPr>
+          <a:xfrm>
+            <a:off x="1484310" y="975361"/>
+            <a:ext cx="10018713" cy="4815840"/>
+          </a:xfrm>
+        </p:spPr>
+        <p:txBody>
+          <a:bodyPr/>
+          <a:lstStyle/>
+          <a:p>
+            <a:r>
+              <a:rPr lang="fr-FR" dirty="0" smtClean="0"/>
+              <a:t>Visualisation </a:t>
+            </a:r>
+            <a:r>
+              <a:rPr lang="fr-FR" dirty="0" err="1" smtClean="0"/>
+              <a:t>parallele</a:t>
+            </a:r>
+            <a:endParaRPr lang="fr-FR" dirty="0" smtClean="0"/>
+          </a:p>
+          <a:p>
+            <a:pPr marL="0" indent="0">
+              <a:buNone/>
+            </a:pPr>
+            <a:r>
+              <a:rPr lang="fr-FR" dirty="0" smtClean="0"/>
+              <a:t> </a:t>
+            </a:r>
+          </a:p>
+          <a:p>
+            <a:pPr lvl="1"/>
+            <a:endParaRPr lang="fr-FR" dirty="0"/>
           </a:p>
         </p:txBody>
       </p:sp>
@@ -7885,7 +7641,7 @@
     </p:spTree>
     <p:extLst>
       <p:ext uri="{BB962C8B-B14F-4D97-AF65-F5344CB8AC3E}">
-        <p14:creationId xmlns:p14="http://schemas.microsoft.com/office/powerpoint/2010/main" val="2436757138"/>
+        <p14:creationId xmlns:p14="http://schemas.microsoft.com/office/powerpoint/2010/main" val="1182728431"/>
       </p:ext>
     </p:extLst>
   </p:cSld>
@@ -7919,7 +7675,7 @@
             <a:spLocks noGrp="1"/>
           </p:cNvSpPr>
           <p:nvPr>
-            <p:ph type="ctrTitle"/>
+            <p:ph type="title"/>
           </p:nvPr>
         </p:nvSpPr>
         <p:spPr/>
@@ -7929,7 +7685,7 @@
           <a:p>
             <a:r>
               <a:rPr lang="fr-FR" dirty="0" smtClean="0"/>
-              <a:t>A bientôt !</a:t>
+              <a:t>Etat de l’art - Visualisation</a:t>
             </a:r>
             <a:endParaRPr lang="fr-FR" dirty="0"/>
           </a:p>
@@ -7937,7 +7693,75 @@
       </p:sp>
       <p:sp>
         <p:nvSpPr>
-          <p:cNvPr id="4" name="Espace réservé du numéro de diapositive 3"/>
+          <p:cNvPr id="3" name="Espace réservé du contenu 2"/>
+          <p:cNvSpPr>
+            <a:spLocks noGrp="1"/>
+          </p:cNvSpPr>
+          <p:nvPr>
+            <p:ph idx="1"/>
+          </p:nvPr>
+        </p:nvSpPr>
+        <p:spPr>
+          <a:xfrm>
+            <a:off x="1484310" y="975361"/>
+            <a:ext cx="10018713" cy="4815840"/>
+          </a:xfrm>
+        </p:spPr>
+        <p:txBody>
+          <a:bodyPr/>
+          <a:lstStyle/>
+          <a:p>
+            <a:r>
+              <a:rPr lang="fr-FR" dirty="0" smtClean="0"/>
+              <a:t>Visualisation </a:t>
+            </a:r>
+            <a:r>
+              <a:rPr lang="fr-FR" dirty="0" err="1" smtClean="0"/>
+              <a:t>parallele</a:t>
+            </a:r>
+            <a:endParaRPr lang="fr-FR" dirty="0" smtClean="0"/>
+          </a:p>
+          <a:p>
+            <a:pPr marL="0" indent="0">
+              <a:buNone/>
+            </a:pPr>
+            <a:r>
+              <a:rPr lang="fr-FR" dirty="0" smtClean="0"/>
+              <a:t> </a:t>
+            </a:r>
+          </a:p>
+          <a:p>
+            <a:pPr lvl="1"/>
+            <a:endParaRPr lang="fr-FR" dirty="0"/>
+          </a:p>
+        </p:txBody>
+      </p:sp>
+      <p:sp>
+        <p:nvSpPr>
+          <p:cNvPr id="4" name="Espace réservé du pied de page 3"/>
+          <p:cNvSpPr>
+            <a:spLocks noGrp="1"/>
+          </p:cNvSpPr>
+          <p:nvPr>
+            <p:ph type="ftr" sz="quarter" idx="11"/>
+          </p:nvPr>
+        </p:nvSpPr>
+        <p:spPr/>
+        <p:txBody>
+          <a:bodyPr/>
+          <a:lstStyle/>
+          <a:p>
+            <a:r>
+              <a:rPr lang="en-US" smtClean="0"/>
+              <a:t>Visualisation de capture réseau</a:t>
+            </a:r>
+            <a:endParaRPr lang="en-US" dirty="0"/>
+          </a:p>
+        </p:txBody>
+      </p:sp>
+      <p:sp>
+        <p:nvSpPr>
+          <p:cNvPr id="5" name="Espace réservé du numéro de diapositive 4"/>
           <p:cNvSpPr>
             <a:spLocks noGrp="1"/>
           </p:cNvSpPr>
@@ -7954,6 +7778,666 @@
               <a:rPr lang="en-US" smtClean="0"/>
               <a:pPr/>
               <a:t>14</a:t>
+            </a:fld>
+            <a:endParaRPr lang="en-US" dirty="0"/>
+          </a:p>
+        </p:txBody>
+      </p:sp>
+    </p:spTree>
+    <p:extLst>
+      <p:ext uri="{BB962C8B-B14F-4D97-AF65-F5344CB8AC3E}">
+        <p14:creationId xmlns:p14="http://schemas.microsoft.com/office/powerpoint/2010/main" val="2028734869"/>
+      </p:ext>
+    </p:extLst>
+  </p:cSld>
+  <p:clrMapOvr>
+    <a:masterClrMapping/>
+  </p:clrMapOvr>
+</p:sld>
+</file>
+
+<file path=ppt/slides/slide15.xml><?xml version="1.0" encoding="utf-8"?>
+<p:sld xmlns:a="http://schemas.openxmlformats.org/drawingml/2006/main" xmlns:r="http://schemas.openxmlformats.org/officeDocument/2006/relationships" xmlns:p="http://schemas.openxmlformats.org/presentationml/2006/main">
+  <p:cSld>
+    <p:spTree>
+      <p:nvGrpSpPr>
+        <p:cNvPr id="1" name=""/>
+        <p:cNvGrpSpPr/>
+        <p:nvPr/>
+      </p:nvGrpSpPr>
+      <p:grpSpPr>
+        <a:xfrm>
+          <a:off x="0" y="0"/>
+          <a:ext cx="0" cy="0"/>
+          <a:chOff x="0" y="0"/>
+          <a:chExt cx="0" cy="0"/>
+        </a:xfrm>
+      </p:grpSpPr>
+      <p:sp>
+        <p:nvSpPr>
+          <p:cNvPr id="2" name="Titre 1"/>
+          <p:cNvSpPr>
+            <a:spLocks noGrp="1"/>
+          </p:cNvSpPr>
+          <p:nvPr>
+            <p:ph type="title"/>
+          </p:nvPr>
+        </p:nvSpPr>
+        <p:spPr/>
+        <p:txBody>
+          <a:bodyPr/>
+          <a:lstStyle/>
+          <a:p>
+            <a:r>
+              <a:rPr lang="fr-FR" dirty="0" smtClean="0"/>
+              <a:t>Solutions retenues</a:t>
+            </a:r>
+            <a:endParaRPr lang="fr-FR" dirty="0"/>
+          </a:p>
+        </p:txBody>
+      </p:sp>
+      <p:sp>
+        <p:nvSpPr>
+          <p:cNvPr id="3" name="Espace réservé du contenu 2"/>
+          <p:cNvSpPr>
+            <a:spLocks noGrp="1"/>
+          </p:cNvSpPr>
+          <p:nvPr>
+            <p:ph idx="1"/>
+          </p:nvPr>
+        </p:nvSpPr>
+        <p:spPr/>
+        <p:txBody>
+          <a:bodyPr/>
+          <a:lstStyle/>
+          <a:p>
+            <a:r>
+              <a:rPr lang="fr-FR" dirty="0" smtClean="0"/>
+              <a:t>Analyse hors-ligne d’une fichier .</a:t>
+            </a:r>
+            <a:r>
+              <a:rPr lang="fr-FR" dirty="0" err="1" smtClean="0"/>
+              <a:t>pcap</a:t>
+            </a:r>
+            <a:endParaRPr lang="fr-FR" dirty="0" smtClean="0"/>
+          </a:p>
+          <a:p>
+            <a:r>
+              <a:rPr lang="fr-FR" dirty="0" smtClean="0"/>
+              <a:t>Dissection </a:t>
+            </a:r>
+            <a:r>
+              <a:rPr lang="fr-FR" dirty="0" smtClean="0"/>
+              <a:t>des paquets grâce à </a:t>
+            </a:r>
+            <a:r>
+              <a:rPr lang="fr-FR" dirty="0" err="1" smtClean="0"/>
+              <a:t>Scapy</a:t>
+            </a:r>
+            <a:r>
+              <a:rPr lang="fr-FR" dirty="0" smtClean="0"/>
+              <a:t>, </a:t>
+            </a:r>
+            <a:r>
+              <a:rPr lang="fr-FR" dirty="0" err="1" smtClean="0"/>
+              <a:t>ettercap</a:t>
+            </a:r>
+            <a:r>
+              <a:rPr lang="fr-FR" dirty="0" smtClean="0"/>
+              <a:t>, </a:t>
+            </a:r>
+            <a:r>
+              <a:rPr lang="fr-FR" dirty="0" err="1" smtClean="0"/>
+              <a:t>ChaosReader</a:t>
+            </a:r>
+            <a:r>
+              <a:rPr lang="fr-FR" dirty="0"/>
+              <a:t> </a:t>
+            </a:r>
+            <a:r>
+              <a:rPr lang="fr-FR" dirty="0" smtClean="0"/>
+              <a:t>et </a:t>
+            </a:r>
+            <a:r>
+              <a:rPr lang="fr-FR" dirty="0" err="1" smtClean="0"/>
+              <a:t>dsniff</a:t>
+            </a:r>
+            <a:endParaRPr lang="fr-FR" dirty="0" smtClean="0"/>
+          </a:p>
+          <a:p>
+            <a:r>
+              <a:rPr lang="fr-FR" dirty="0" smtClean="0"/>
+              <a:t>Interface graphique : </a:t>
+            </a:r>
+            <a:r>
+              <a:rPr lang="fr-FR" dirty="0" err="1" smtClean="0"/>
+              <a:t>PyQt</a:t>
+            </a:r>
+            <a:r>
+              <a:rPr lang="fr-FR" dirty="0"/>
+              <a:t> </a:t>
+            </a:r>
+            <a:r>
+              <a:rPr lang="fr-FR" dirty="0" smtClean="0"/>
+              <a:t>(</a:t>
+            </a:r>
+            <a:r>
+              <a:rPr lang="fr-FR" dirty="0" err="1" smtClean="0"/>
+              <a:t>Multi-plateforme</a:t>
+            </a:r>
+            <a:r>
+              <a:rPr lang="fr-FR" dirty="0" smtClean="0"/>
+              <a:t> et maitrisé)</a:t>
+            </a:r>
+            <a:endParaRPr lang="fr-FR" dirty="0" smtClean="0"/>
+          </a:p>
+        </p:txBody>
+      </p:sp>
+      <p:sp>
+        <p:nvSpPr>
+          <p:cNvPr id="4" name="Espace réservé du pied de page 3"/>
+          <p:cNvSpPr>
+            <a:spLocks noGrp="1"/>
+          </p:cNvSpPr>
+          <p:nvPr>
+            <p:ph type="ftr" sz="quarter" idx="11"/>
+          </p:nvPr>
+        </p:nvSpPr>
+        <p:spPr/>
+        <p:txBody>
+          <a:bodyPr/>
+          <a:lstStyle/>
+          <a:p>
+            <a:r>
+              <a:rPr lang="en-US" smtClean="0"/>
+              <a:t>Visualisation de capture réseau</a:t>
+            </a:r>
+            <a:endParaRPr lang="en-US" dirty="0"/>
+          </a:p>
+        </p:txBody>
+      </p:sp>
+      <p:sp>
+        <p:nvSpPr>
+          <p:cNvPr id="5" name="Espace réservé du numéro de diapositive 4"/>
+          <p:cNvSpPr>
+            <a:spLocks noGrp="1"/>
+          </p:cNvSpPr>
+          <p:nvPr>
+            <p:ph type="sldNum" sz="quarter" idx="12"/>
+          </p:nvPr>
+        </p:nvSpPr>
+        <p:spPr/>
+        <p:txBody>
+          <a:bodyPr/>
+          <a:lstStyle/>
+          <a:p>
+            <a:fld id="{D57F1E4F-1CFF-5643-939E-217C01CDF565}" type="slidenum">
+              <a:rPr lang="en-US" smtClean="0"/>
+              <a:pPr/>
+              <a:t>15</a:t>
+            </a:fld>
+            <a:endParaRPr lang="en-US" dirty="0"/>
+          </a:p>
+        </p:txBody>
+      </p:sp>
+    </p:spTree>
+    <p:extLst>
+      <p:ext uri="{BB962C8B-B14F-4D97-AF65-F5344CB8AC3E}">
+        <p14:creationId xmlns:p14="http://schemas.microsoft.com/office/powerpoint/2010/main" val="3954845516"/>
+      </p:ext>
+    </p:extLst>
+  </p:cSld>
+  <p:clrMapOvr>
+    <a:masterClrMapping/>
+  </p:clrMapOvr>
+</p:sld>
+</file>
+
+<file path=ppt/slides/slide16.xml><?xml version="1.0" encoding="utf-8"?>
+<p:sld xmlns:a="http://schemas.openxmlformats.org/drawingml/2006/main" xmlns:r="http://schemas.openxmlformats.org/officeDocument/2006/relationships" xmlns:p="http://schemas.openxmlformats.org/presentationml/2006/main">
+  <p:cSld>
+    <p:spTree>
+      <p:nvGrpSpPr>
+        <p:cNvPr id="1" name=""/>
+        <p:cNvGrpSpPr/>
+        <p:nvPr/>
+      </p:nvGrpSpPr>
+      <p:grpSpPr>
+        <a:xfrm>
+          <a:off x="0" y="0"/>
+          <a:ext cx="0" cy="0"/>
+          <a:chOff x="0" y="0"/>
+          <a:chExt cx="0" cy="0"/>
+        </a:xfrm>
+      </p:grpSpPr>
+      <p:sp>
+        <p:nvSpPr>
+          <p:cNvPr id="2" name="Titre 1"/>
+          <p:cNvSpPr>
+            <a:spLocks noGrp="1"/>
+          </p:cNvSpPr>
+          <p:nvPr>
+            <p:ph type="title"/>
+          </p:nvPr>
+        </p:nvSpPr>
+        <p:spPr>
+          <a:xfrm>
+            <a:off x="1484312" y="0"/>
+            <a:ext cx="10018713" cy="1752599"/>
+          </a:xfrm>
+        </p:spPr>
+        <p:txBody>
+          <a:bodyPr/>
+          <a:lstStyle/>
+          <a:p>
+            <a:r>
+              <a:rPr lang="fr-FR" dirty="0" smtClean="0"/>
+              <a:t>Premier Design</a:t>
+            </a:r>
+            <a:endParaRPr lang="fr-FR" dirty="0"/>
+          </a:p>
+        </p:txBody>
+      </p:sp>
+      <p:pic>
+        <p:nvPicPr>
+          <p:cNvPr id="6" name="Espace réservé du contenu 5"/>
+          <p:cNvPicPr>
+            <a:picLocks noGrp="1" noChangeAspect="1"/>
+          </p:cNvPicPr>
+          <p:nvPr>
+            <p:ph idx="1"/>
+          </p:nvPr>
+        </p:nvPicPr>
+        <p:blipFill>
+          <a:blip r:embed="rId2">
+            <a:extLst>
+              <a:ext uri="{28A0092B-C50C-407E-A947-70E740481C1C}">
+                <a14:useLocalDpi xmlns:a14="http://schemas.microsoft.com/office/drawing/2010/main" val="0"/>
+              </a:ext>
+            </a:extLst>
+          </a:blip>
+          <a:stretch>
+            <a:fillRect/>
+          </a:stretch>
+        </p:blipFill>
+        <p:spPr>
+          <a:xfrm>
+            <a:off x="3684989" y="1771544"/>
+            <a:ext cx="5617357" cy="4111731"/>
+          </a:xfrm>
+        </p:spPr>
+      </p:pic>
+      <p:sp>
+        <p:nvSpPr>
+          <p:cNvPr id="4" name="Espace réservé du pied de page 3"/>
+          <p:cNvSpPr>
+            <a:spLocks noGrp="1"/>
+          </p:cNvSpPr>
+          <p:nvPr>
+            <p:ph type="ftr" sz="quarter" idx="11"/>
+          </p:nvPr>
+        </p:nvSpPr>
+        <p:spPr/>
+        <p:txBody>
+          <a:bodyPr/>
+          <a:lstStyle/>
+          <a:p>
+            <a:r>
+              <a:rPr lang="en-US" smtClean="0"/>
+              <a:t>Visualisation de capture réseau</a:t>
+            </a:r>
+            <a:endParaRPr lang="en-US" dirty="0"/>
+          </a:p>
+        </p:txBody>
+      </p:sp>
+      <p:sp>
+        <p:nvSpPr>
+          <p:cNvPr id="5" name="Espace réservé du numéro de diapositive 4"/>
+          <p:cNvSpPr>
+            <a:spLocks noGrp="1"/>
+          </p:cNvSpPr>
+          <p:nvPr>
+            <p:ph type="sldNum" sz="quarter" idx="12"/>
+          </p:nvPr>
+        </p:nvSpPr>
+        <p:spPr/>
+        <p:txBody>
+          <a:bodyPr/>
+          <a:lstStyle/>
+          <a:p>
+            <a:fld id="{D57F1E4F-1CFF-5643-939E-217C01CDF565}" type="slidenum">
+              <a:rPr lang="en-US" smtClean="0"/>
+              <a:pPr/>
+              <a:t>16</a:t>
+            </a:fld>
+            <a:endParaRPr lang="en-US" dirty="0"/>
+          </a:p>
+        </p:txBody>
+      </p:sp>
+    </p:spTree>
+    <p:extLst>
+      <p:ext uri="{BB962C8B-B14F-4D97-AF65-F5344CB8AC3E}">
+        <p14:creationId xmlns:p14="http://schemas.microsoft.com/office/powerpoint/2010/main" val="2436757138"/>
+      </p:ext>
+    </p:extLst>
+  </p:cSld>
+  <p:clrMapOvr>
+    <a:masterClrMapping/>
+  </p:clrMapOvr>
+</p:sld>
+</file>
+
+<file path=ppt/slides/slide17.xml><?xml version="1.0" encoding="utf-8"?>
+<p:sld xmlns:a="http://schemas.openxmlformats.org/drawingml/2006/main" xmlns:r="http://schemas.openxmlformats.org/officeDocument/2006/relationships" xmlns:p="http://schemas.openxmlformats.org/presentationml/2006/main">
+  <p:cSld>
+    <p:spTree>
+      <p:nvGrpSpPr>
+        <p:cNvPr id="1" name=""/>
+        <p:cNvGrpSpPr/>
+        <p:nvPr/>
+      </p:nvGrpSpPr>
+      <p:grpSpPr>
+        <a:xfrm>
+          <a:off x="0" y="0"/>
+          <a:ext cx="0" cy="0"/>
+          <a:chOff x="0" y="0"/>
+          <a:chExt cx="0" cy="0"/>
+        </a:xfrm>
+      </p:grpSpPr>
+      <p:sp>
+        <p:nvSpPr>
+          <p:cNvPr id="2" name="Titre 1"/>
+          <p:cNvSpPr>
+            <a:spLocks noGrp="1"/>
+          </p:cNvSpPr>
+          <p:nvPr>
+            <p:ph type="title"/>
+          </p:nvPr>
+        </p:nvSpPr>
+        <p:spPr/>
+        <p:txBody>
+          <a:bodyPr/>
+          <a:lstStyle/>
+          <a:p>
+            <a:r>
+              <a:rPr lang="fr-FR" dirty="0" smtClean="0"/>
+              <a:t>Bibliographie</a:t>
+            </a:r>
+            <a:endParaRPr lang="fr-FR" dirty="0"/>
+          </a:p>
+        </p:txBody>
+      </p:sp>
+      <p:sp>
+        <p:nvSpPr>
+          <p:cNvPr id="3" name="Espace réservé du contenu 2"/>
+          <p:cNvSpPr>
+            <a:spLocks noGrp="1"/>
+          </p:cNvSpPr>
+          <p:nvPr>
+            <p:ph idx="1"/>
+          </p:nvPr>
+        </p:nvSpPr>
+        <p:spPr/>
+        <p:txBody>
+          <a:bodyPr/>
+          <a:lstStyle/>
+          <a:p>
+            <a:r>
+              <a:rPr lang="fr-FR" dirty="0" smtClean="0"/>
+              <a:t>C. Sanders - </a:t>
+            </a:r>
+            <a:r>
+              <a:rPr lang="fr-FR" dirty="0" err="1" smtClean="0"/>
+              <a:t>Practical</a:t>
+            </a:r>
+            <a:r>
+              <a:rPr lang="fr-FR" dirty="0" smtClean="0"/>
+              <a:t> </a:t>
+            </a:r>
+            <a:r>
+              <a:rPr lang="fr-FR" dirty="0" err="1" smtClean="0"/>
+              <a:t>Packet</a:t>
+            </a:r>
+            <a:r>
+              <a:rPr lang="fr-FR" dirty="0" smtClean="0"/>
+              <a:t> </a:t>
+            </a:r>
+            <a:r>
+              <a:rPr lang="fr-FR" dirty="0" err="1" smtClean="0"/>
+              <a:t>Analysis</a:t>
+            </a:r>
+            <a:endParaRPr lang="fr-FR" dirty="0" smtClean="0"/>
+          </a:p>
+          <a:p>
+            <a:r>
+              <a:rPr lang="fr-FR" dirty="0" smtClean="0"/>
+              <a:t>M. </a:t>
+            </a:r>
+            <a:r>
+              <a:rPr lang="fr-FR" dirty="0" err="1" smtClean="0"/>
+              <a:t>Summerfield</a:t>
+            </a:r>
+            <a:r>
+              <a:rPr lang="fr-FR" dirty="0" smtClean="0"/>
+              <a:t> - Rapid GUI </a:t>
+            </a:r>
+            <a:r>
+              <a:rPr lang="fr-FR" dirty="0" err="1" smtClean="0"/>
+              <a:t>Programming</a:t>
+            </a:r>
+            <a:r>
+              <a:rPr lang="fr-FR" dirty="0" smtClean="0"/>
+              <a:t> </a:t>
+            </a:r>
+            <a:r>
+              <a:rPr lang="fr-FR" dirty="0" err="1" smtClean="0"/>
+              <a:t>with</a:t>
+            </a:r>
+            <a:r>
+              <a:rPr lang="fr-FR" dirty="0" smtClean="0"/>
+              <a:t> Python and </a:t>
+            </a:r>
+            <a:r>
+              <a:rPr lang="fr-FR" dirty="0" err="1" smtClean="0"/>
+              <a:t>Qt</a:t>
+            </a:r>
+            <a:endParaRPr lang="fr-FR" dirty="0" smtClean="0"/>
+          </a:p>
+          <a:p>
+            <a:r>
+              <a:rPr lang="fr-FR" dirty="0" smtClean="0"/>
+              <a:t>R. Marty - </a:t>
+            </a:r>
+            <a:r>
+              <a:rPr lang="fr-FR" dirty="0" err="1" smtClean="0"/>
+              <a:t>Applied</a:t>
+            </a:r>
+            <a:r>
+              <a:rPr lang="fr-FR" dirty="0" smtClean="0"/>
+              <a:t> Security </a:t>
+            </a:r>
+            <a:r>
+              <a:rPr lang="fr-FR" dirty="0" err="1" smtClean="0"/>
+              <a:t>Visualization</a:t>
+            </a:r>
+            <a:endParaRPr lang="fr-FR" dirty="0" smtClean="0"/>
+          </a:p>
+          <a:p>
+            <a:r>
+              <a:rPr lang="fr-FR" dirty="0" smtClean="0"/>
+              <a:t>M. </a:t>
+            </a:r>
+            <a:r>
+              <a:rPr lang="fr-FR" dirty="0" err="1" smtClean="0"/>
+              <a:t>Shahrulniza</a:t>
+            </a:r>
+            <a:r>
+              <a:rPr lang="fr-FR" dirty="0" smtClean="0"/>
+              <a:t> - </a:t>
+            </a:r>
+            <a:r>
+              <a:rPr lang="fr-FR" dirty="0" err="1" smtClean="0"/>
+              <a:t>Visualising</a:t>
+            </a:r>
+            <a:r>
+              <a:rPr lang="fr-FR" dirty="0" smtClean="0"/>
+              <a:t> network </a:t>
+            </a:r>
+            <a:r>
+              <a:rPr lang="fr-FR" dirty="0" err="1" smtClean="0"/>
+              <a:t>security</a:t>
+            </a:r>
+            <a:r>
+              <a:rPr lang="fr-FR" dirty="0" smtClean="0"/>
+              <a:t> </a:t>
+            </a:r>
+            <a:r>
+              <a:rPr lang="fr-FR" dirty="0" err="1" smtClean="0"/>
+              <a:t>attacks</a:t>
+            </a:r>
+            <a:r>
+              <a:rPr lang="fr-FR" dirty="0" smtClean="0"/>
+              <a:t> </a:t>
+            </a:r>
+            <a:r>
+              <a:rPr lang="fr-FR" dirty="0" err="1" smtClean="0"/>
+              <a:t>with</a:t>
+            </a:r>
+            <a:r>
+              <a:rPr lang="fr-FR" dirty="0" smtClean="0"/>
+              <a:t> multiple 3D visualisation and false </a:t>
+            </a:r>
+            <a:r>
+              <a:rPr lang="fr-FR" dirty="0" err="1" smtClean="0"/>
+              <a:t>alert</a:t>
+            </a:r>
+            <a:r>
+              <a:rPr lang="fr-FR" dirty="0" smtClean="0"/>
+              <a:t> classification</a:t>
+            </a:r>
+            <a:endParaRPr lang="fr-FR" dirty="0"/>
+          </a:p>
+        </p:txBody>
+      </p:sp>
+      <p:sp>
+        <p:nvSpPr>
+          <p:cNvPr id="4" name="Espace réservé du pied de page 3"/>
+          <p:cNvSpPr>
+            <a:spLocks noGrp="1"/>
+          </p:cNvSpPr>
+          <p:nvPr>
+            <p:ph type="ftr" sz="quarter" idx="11"/>
+          </p:nvPr>
+        </p:nvSpPr>
+        <p:spPr/>
+        <p:txBody>
+          <a:bodyPr/>
+          <a:lstStyle/>
+          <a:p>
+            <a:r>
+              <a:rPr lang="en-US" smtClean="0"/>
+              <a:t>Visualisation de capture réseau</a:t>
+            </a:r>
+            <a:endParaRPr lang="en-US" dirty="0"/>
+          </a:p>
+        </p:txBody>
+      </p:sp>
+      <p:sp>
+        <p:nvSpPr>
+          <p:cNvPr id="5" name="Espace réservé du numéro de diapositive 4"/>
+          <p:cNvSpPr>
+            <a:spLocks noGrp="1"/>
+          </p:cNvSpPr>
+          <p:nvPr>
+            <p:ph type="sldNum" sz="quarter" idx="12"/>
+          </p:nvPr>
+        </p:nvSpPr>
+        <p:spPr/>
+        <p:txBody>
+          <a:bodyPr/>
+          <a:lstStyle/>
+          <a:p>
+            <a:fld id="{D57F1E4F-1CFF-5643-939E-217C01CDF565}" type="slidenum">
+              <a:rPr lang="en-US" smtClean="0"/>
+              <a:pPr/>
+              <a:t>17</a:t>
+            </a:fld>
+            <a:endParaRPr lang="en-US" dirty="0"/>
+          </a:p>
+        </p:txBody>
+      </p:sp>
+    </p:spTree>
+    <p:extLst>
+      <p:ext uri="{BB962C8B-B14F-4D97-AF65-F5344CB8AC3E}">
+        <p14:creationId xmlns:p14="http://schemas.microsoft.com/office/powerpoint/2010/main" val="3866711292"/>
+      </p:ext>
+    </p:extLst>
+  </p:cSld>
+  <p:clrMapOvr>
+    <a:masterClrMapping/>
+  </p:clrMapOvr>
+</p:sld>
+</file>
+
+<file path=ppt/slides/slide18.xml><?xml version="1.0" encoding="utf-8"?>
+<p:sld xmlns:a="http://schemas.openxmlformats.org/drawingml/2006/main" xmlns:r="http://schemas.openxmlformats.org/officeDocument/2006/relationships" xmlns:p="http://schemas.openxmlformats.org/presentationml/2006/main">
+  <p:cSld>
+    <p:spTree>
+      <p:nvGrpSpPr>
+        <p:cNvPr id="1" name=""/>
+        <p:cNvGrpSpPr/>
+        <p:nvPr/>
+      </p:nvGrpSpPr>
+      <p:grpSpPr>
+        <a:xfrm>
+          <a:off x="0" y="0"/>
+          <a:ext cx="0" cy="0"/>
+          <a:chOff x="0" y="0"/>
+          <a:chExt cx="0" cy="0"/>
+        </a:xfrm>
+      </p:grpSpPr>
+      <p:sp>
+        <p:nvSpPr>
+          <p:cNvPr id="2" name="Titre 1"/>
+          <p:cNvSpPr>
+            <a:spLocks noGrp="1"/>
+          </p:cNvSpPr>
+          <p:nvPr>
+            <p:ph type="ctrTitle"/>
+          </p:nvPr>
+        </p:nvSpPr>
+        <p:spPr/>
+        <p:txBody>
+          <a:bodyPr/>
+          <a:lstStyle/>
+          <a:p>
+            <a:r>
+              <a:rPr lang="fr-FR" dirty="0" smtClean="0"/>
+              <a:t>A bientôt !</a:t>
+            </a:r>
+            <a:endParaRPr lang="fr-FR" dirty="0"/>
+          </a:p>
+        </p:txBody>
+      </p:sp>
+      <p:sp>
+        <p:nvSpPr>
+          <p:cNvPr id="4" name="Espace réservé du numéro de diapositive 3"/>
+          <p:cNvSpPr>
+            <a:spLocks noGrp="1"/>
+          </p:cNvSpPr>
+          <p:nvPr>
+            <p:ph type="sldNum" sz="quarter" idx="12"/>
+          </p:nvPr>
+        </p:nvSpPr>
+        <p:spPr/>
+        <p:txBody>
+          <a:bodyPr/>
+          <a:lstStyle/>
+          <a:p>
+            <a:fld id="{D57F1E4F-1CFF-5643-939E-217C01CDF565}" type="slidenum">
+              <a:rPr lang="en-US" smtClean="0"/>
+              <a:pPr/>
+              <a:t>18</a:t>
             </a:fld>
             <a:endParaRPr lang="en-US" dirty="0"/>
           </a:p>
@@ -8214,7 +8698,15 @@
             <a:pPr lvl="1"/>
             <a:r>
               <a:rPr lang="fr-FR" dirty="0" smtClean="0"/>
-              <a:t>Besoin d’utiliser des nombreux outils différents </a:t>
+              <a:t>Besoin d’utiliser </a:t>
+            </a:r>
+            <a:r>
+              <a:rPr lang="fr-FR" dirty="0" smtClean="0"/>
+              <a:t>de </a:t>
+            </a:r>
+            <a:r>
+              <a:rPr lang="fr-FR" dirty="0" smtClean="0"/>
+              <a:t>nombreux outils différents </a:t>
             </a:r>
           </a:p>
           <a:p>
@@ -8380,7 +8872,6 @@
               <a:rPr lang="fr-FR" dirty="0" smtClean="0"/>
               <a:t>Présenter les flux de manière lisible et graphiquement organisée</a:t>
             </a:r>
-            <a:endParaRPr lang="fr-FR" dirty="0" smtClean="0"/>
           </a:p>
           <a:p>
             <a:pPr lvl="1"/>
@@ -8395,7 +8886,6 @@
               <a:rPr lang="fr-FR" dirty="0" smtClean="0"/>
               <a:t>De détecter des vulnérabilités connues</a:t>
             </a:r>
-            <a:endParaRPr lang="fr-FR" dirty="0" smtClean="0"/>
           </a:p>
         </p:txBody>
       </p:sp>
@@ -8532,15 +9022,7 @@
             <a:pPr lvl="1"/>
             <a:r>
               <a:rPr lang="fr-FR" dirty="0" smtClean="0"/>
-              <a:t>Extraire Données </a:t>
-            </a:r>
-            <a:r>
-              <a:rPr lang="fr-FR" dirty="0" smtClean="0"/>
-              <a:t>sensibles : mot de </a:t>
-            </a:r>
-            <a:r>
-              <a:rPr lang="fr-FR" dirty="0" smtClean="0"/>
-              <a:t>passe, pièce jointe…</a:t>
+              <a:t>Extraire des données sensibles : mot de passe, pièce jointe…</a:t>
             </a:r>
           </a:p>
           <a:p>
@@ -8554,13 +9036,8 @@
             <a:pPr lvl="1"/>
             <a:r>
               <a:rPr lang="fr-FR" dirty="0" smtClean="0"/>
-              <a:t>Obtenir des informations sur les systèmes </a:t>
-            </a:r>
-            <a:r>
-              <a:rPr lang="fr-FR" dirty="0" smtClean="0"/>
-              <a:t>du réseau</a:t>
-            </a:r>
-            <a:endParaRPr lang="fr-FR" dirty="0" smtClean="0"/>
+              <a:t>Obtenir des informations sur les systèmes du réseau</a:t>
+            </a:r>
           </a:p>
           <a:p>
             <a:pPr lvl="1"/>
@@ -8568,7 +9045,6 @@
               <a:rPr lang="fr-FR" dirty="0" smtClean="0"/>
               <a:t>Cartographier le réseau</a:t>
             </a:r>
-            <a:endParaRPr lang="fr-FR" dirty="0" smtClean="0"/>
           </a:p>
           <a:p>
             <a:pPr lvl="1"/>
@@ -8703,83 +9179,68 @@
           <a:lstStyle/>
           <a:p>
             <a:r>
-              <a:rPr lang="fr-FR" dirty="0">
-                <a:solidFill>
-                  <a:srgbClr val="FF0000"/>
-                </a:solidFill>
-              </a:rPr>
+              <a:rPr lang="fr-FR" dirty="0"/>
               <a:t>Comment visualiser les résultats </a:t>
             </a:r>
             <a:r>
-              <a:rPr lang="fr-FR" dirty="0" smtClean="0">
-                <a:solidFill>
-                  <a:srgbClr val="FF0000"/>
-                </a:solidFill>
-              </a:rPr>
+              <a:rPr lang="fr-FR" dirty="0" smtClean="0"/>
               <a:t>?</a:t>
             </a:r>
           </a:p>
           <a:p>
             <a:pPr lvl="1"/>
             <a:r>
-              <a:rPr lang="fr-FR" dirty="0" smtClean="0">
-                <a:solidFill>
-                  <a:srgbClr val="FF0000"/>
-                </a:solidFill>
-              </a:rPr>
-              <a:t>Visualisation cartographiée du réseau sniffé</a:t>
-            </a:r>
+              <a:rPr lang="fr-FR" dirty="0" smtClean="0"/>
+              <a:t>Visualisation </a:t>
+            </a:r>
+            <a:r>
+              <a:rPr lang="fr-FR" dirty="0"/>
+              <a:t>d</a:t>
+            </a:r>
+            <a:r>
+              <a:rPr lang="fr-FR" dirty="0" smtClean="0"/>
+              <a:t>es </a:t>
+            </a:r>
+            <a:r>
+              <a:rPr lang="fr-FR" dirty="0" smtClean="0"/>
+              <a:t>différents </a:t>
+            </a:r>
+            <a:r>
+              <a:rPr lang="fr-FR" dirty="0" err="1" smtClean="0"/>
+              <a:t>protaganistes</a:t>
+            </a:r>
+            <a:r>
+              <a:rPr lang="fr-FR" dirty="0" smtClean="0"/>
+              <a:t> et de leur informations collectées </a:t>
+            </a:r>
+            <a:endParaRPr lang="fr-FR" dirty="0" smtClean="0"/>
           </a:p>
           <a:p>
             <a:pPr lvl="1"/>
             <a:r>
-              <a:rPr lang="fr-FR" dirty="0">
-                <a:solidFill>
-                  <a:srgbClr val="FF0000"/>
-                </a:solidFill>
-              </a:rPr>
-              <a:t>Visualisation des sessions </a:t>
-            </a:r>
-            <a:r>
-              <a:rPr lang="fr-FR" dirty="0" smtClean="0">
-                <a:solidFill>
-                  <a:srgbClr val="FF0000"/>
-                </a:solidFill>
-              </a:rPr>
+              <a:rPr lang="fr-FR" dirty="0"/>
+              <a:t>Visualisation </a:t>
+            </a:r>
+            <a:r>
+              <a:rPr lang="fr-FR" dirty="0" smtClean="0"/>
+              <a:t>spatiale des </a:t>
+            </a:r>
+            <a:r>
+              <a:rPr lang="fr-FR" dirty="0"/>
+              <a:t>sessions </a:t>
+            </a:r>
+            <a:r>
+              <a:rPr lang="fr-FR" dirty="0" smtClean="0"/>
               <a:t>reconstruites</a:t>
             </a:r>
           </a:p>
           <a:p>
             <a:pPr lvl="1"/>
             <a:r>
-              <a:rPr lang="fr-FR" dirty="0" smtClean="0">
-                <a:solidFill>
-                  <a:srgbClr val="FF0000"/>
-                </a:solidFill>
-              </a:rPr>
-              <a:t>Visualisation des trames par filtrage (comme sur </a:t>
-            </a:r>
-            <a:r>
-              <a:rPr lang="fr-FR" dirty="0" err="1" smtClean="0">
-                <a:solidFill>
-                  <a:srgbClr val="FF0000"/>
-                </a:solidFill>
-              </a:rPr>
-              <a:t>wireshark</a:t>
-            </a:r>
-            <a:r>
-              <a:rPr lang="fr-FR" dirty="0" smtClean="0">
-                <a:solidFill>
-                  <a:srgbClr val="FF0000"/>
-                </a:solidFill>
-              </a:rPr>
-              <a:t>)</a:t>
-            </a:r>
-            <a:endParaRPr lang="fr-FR" dirty="0">
-              <a:solidFill>
-                <a:srgbClr val="FF0000"/>
-              </a:solidFill>
-            </a:endParaRPr>
+              <a:rPr lang="fr-FR" dirty="0" smtClean="0"/>
+              <a:t>Filtrage  par protagonistes ou par protocole</a:t>
+            </a:r>
+            <a:endParaRPr lang="fr-FR" dirty="0" smtClean="0"/>
           </a:p>
           <a:p>
             <a:pPr marL="457200" lvl="1" indent="0">
@@ -8906,58 +9367,53 @@
           <a:p>
             <a:r>
               <a:rPr lang="fr-FR" dirty="0" smtClean="0"/>
-              <a:t>Palier </a:t>
+              <a:t>Palier 1 </a:t>
+            </a:r>
+            <a:r>
+              <a:rPr lang="fr-FR" dirty="0"/>
+              <a:t>: </a:t>
             </a:r>
             <a:r>
               <a:rPr lang="fr-FR" dirty="0" smtClean="0"/>
-              <a:t>1 </a:t>
-            </a:r>
+              <a:t>Premières fonctionnalités</a:t>
+            </a:r>
+          </a:p>
+          <a:p>
+            <a:pPr lvl="1"/>
+            <a:r>
+              <a:rPr lang="fr-FR" dirty="0" smtClean="0"/>
+              <a:t>Permet de voir les différentes machines impliquées</a:t>
+            </a:r>
+          </a:p>
+          <a:p>
+            <a:pPr lvl="1"/>
+            <a:r>
+              <a:rPr lang="fr-FR" dirty="0" smtClean="0"/>
+              <a:t>Reconstruction des </a:t>
+            </a:r>
+            <a:r>
+              <a:rPr lang="fr-FR" dirty="0" smtClean="0"/>
+              <a:t>sessions HTTP</a:t>
+            </a:r>
+            <a:endParaRPr lang="fr-FR" dirty="0" smtClean="0"/>
+          </a:p>
+          <a:p>
+            <a:pPr lvl="1"/>
             <a:r>
               <a:rPr lang="fr-FR" dirty="0"/>
-              <a:t>: Développement du logiciel </a:t>
-            </a:r>
-            <a:endParaRPr lang="fr-FR" dirty="0" smtClean="0"/>
-          </a:p>
-          <a:p>
-            <a:pPr lvl="1"/>
+              <a:t>Permet l’extraction de données sensibles non </a:t>
+            </a:r>
+            <a:r>
+              <a:rPr lang="fr-FR" dirty="0" smtClean="0"/>
+              <a:t>chiffrées </a:t>
+            </a:r>
             <a:r>
               <a:rPr lang="fr-FR" dirty="0"/>
-              <a:t>I</a:t>
+              <a:t>(mot de passe, fichier</a:t>
             </a:r>
             <a:r>
               <a:rPr lang="fr-FR" dirty="0" smtClean="0"/>
-              <a:t>nterfacé </a:t>
-            </a:r>
-            <a:r>
-              <a:rPr lang="fr-FR" dirty="0"/>
-              <a:t>avec les logiciels </a:t>
-            </a:r>
-            <a:r>
-              <a:rPr lang="fr-FR" dirty="0" err="1"/>
-              <a:t>Ettercap</a:t>
-            </a:r>
-            <a:r>
-              <a:rPr lang="fr-FR" dirty="0"/>
-              <a:t> et </a:t>
-            </a:r>
-            <a:r>
-              <a:rPr lang="fr-FR" dirty="0" err="1" smtClean="0"/>
-              <a:t>ChaosReader</a:t>
-            </a:r>
-            <a:endParaRPr lang="fr-FR" dirty="0" smtClean="0"/>
-          </a:p>
-          <a:p>
-            <a:pPr lvl="1"/>
-            <a:r>
-              <a:rPr lang="fr-FR" dirty="0" smtClean="0"/>
-              <a:t>Permet l’extraction de données sensibles non chiffrée (mot de passe, fichier)</a:t>
-            </a:r>
-          </a:p>
-          <a:p>
-            <a:pPr lvl="1"/>
-            <a:r>
-              <a:rPr lang="fr-FR" dirty="0" smtClean="0"/>
-              <a:t>Reconstruction des flux TCP, email, session HTTP</a:t>
+              <a:t>)</a:t>
             </a:r>
           </a:p>
           <a:p>
@@ -9087,18 +9543,18 @@
           <a:p>
             <a:r>
               <a:rPr lang="fr-FR" dirty="0" smtClean="0"/>
-              <a:t>Palier </a:t>
+              <a:t>Palier 2 : Ajouts des </a:t>
             </a:r>
             <a:r>
               <a:rPr lang="fr-FR" dirty="0" smtClean="0"/>
-              <a:t>2 : Ajouts des fonctionnalités</a:t>
+              <a:t>fonctionnalités</a:t>
             </a:r>
           </a:p>
           <a:p>
             <a:pPr lvl="1"/>
             <a:r>
-              <a:rPr lang="fr-FR" dirty="0"/>
-              <a:t>Attaque des protocoles de chiffrements faibles </a:t>
+              <a:rPr lang="fr-FR" dirty="0" smtClean="0"/>
+              <a:t>Reconstruction des sessions mail, FTP</a:t>
             </a:r>
             <a:endParaRPr lang="fr-FR" dirty="0" smtClean="0"/>
           </a:p>
@@ -9106,20 +9562,9 @@
             <a:pPr lvl="1"/>
             <a:r>
               <a:rPr lang="fr-FR" dirty="0" smtClean="0"/>
-              <a:t>Cartographie du réseau</a:t>
+              <a:t>Détection de défaut de configuration (protocole, certificat, configuration des serveurs)</a:t>
             </a:r>
             <a:endParaRPr lang="fr-FR" dirty="0" smtClean="0"/>
-          </a:p>
-          <a:p>
-            <a:pPr lvl="1"/>
-            <a:r>
-              <a:rPr lang="fr-FR" dirty="0" smtClean="0"/>
-              <a:t>Extraction </a:t>
-            </a:r>
-            <a:r>
-              <a:rPr lang="fr-FR" dirty="0" smtClean="0"/>
-              <a:t>d’information pour des attaques de type MITM</a:t>
-            </a:r>
           </a:p>
           <a:p>
             <a:pPr lvl="1"/>
@@ -9248,20 +9693,42 @@
           <a:p>
             <a:r>
               <a:rPr lang="fr-FR" dirty="0" smtClean="0"/>
-              <a:t>Palier </a:t>
-            </a:r>
+              <a:t>Palier 3 : Ajout de fonctionnalités inédites</a:t>
+            </a:r>
+          </a:p>
+          <a:p>
+            <a:pPr lvl="1"/>
             <a:r>
               <a:rPr lang="fr-FR" dirty="0" smtClean="0"/>
-              <a:t>3 : Ajout de fonctionnalités inédites</a:t>
+              <a:t>Identification automatique de vulnérabilités </a:t>
+            </a:r>
+            <a:r>
+              <a:rPr lang="fr-FR" dirty="0" smtClean="0"/>
+              <a:t>connues</a:t>
+            </a:r>
+          </a:p>
+          <a:p>
+            <a:pPr lvl="1"/>
+            <a:r>
+              <a:rPr lang="fr-FR" dirty="0"/>
+              <a:t>Cartographie du </a:t>
+            </a:r>
+            <a:r>
+              <a:rPr lang="fr-FR" dirty="0" smtClean="0"/>
+              <a:t>réseau</a:t>
+            </a:r>
+          </a:p>
+          <a:p>
+            <a:pPr lvl="1"/>
+            <a:r>
+              <a:rPr lang="fr-FR" dirty="0"/>
+              <a:t>Extraction d’information pour des attaques de type </a:t>
+            </a:r>
+            <a:r>
+              <a:rPr lang="fr-FR" dirty="0" smtClean="0"/>
+              <a:t>MITM</a:t>
             </a:r>
             <a:endParaRPr lang="fr-FR" dirty="0" smtClean="0"/>
-          </a:p>
-          <a:p>
-            <a:pPr lvl="1"/>
-            <a:r>
-              <a:rPr lang="fr-FR" dirty="0" smtClean="0"/>
-              <a:t>Identification automatique de vulnérabilités connues</a:t>
-            </a:r>
           </a:p>
           <a:p>
             <a:pPr marL="457200" lvl="1" indent="0">

--- a/Outils de visualisation de capture réseau.pptx
+++ b/Outils de visualisation de capture réseau.pptx
@@ -5,7 +5,7 @@
     <p:sldMasterId id="2147483648" r:id="rId1"/>
   </p:sldMasterIdLst>
   <p:notesMasterIdLst>
-    <p:notesMasterId r:id="rId20"/>
+    <p:notesMasterId r:id="rId21"/>
   </p:notesMasterIdLst>
   <p:sldIdLst>
     <p:sldId id="256" r:id="rId2"/>
@@ -24,8 +24,9 @@
     <p:sldId id="277" r:id="rId15"/>
     <p:sldId id="263" r:id="rId16"/>
     <p:sldId id="272" r:id="rId17"/>
-    <p:sldId id="274" r:id="rId18"/>
-    <p:sldId id="273" r:id="rId19"/>
+    <p:sldId id="278" r:id="rId18"/>
+    <p:sldId id="274" r:id="rId19"/>
+    <p:sldId id="273" r:id="rId20"/>
   </p:sldIdLst>
   <p:sldSz cx="12192000" cy="6858000"/>
   <p:notesSz cx="6858000" cy="9144000"/>
@@ -214,7 +215,7 @@
           <a:p>
             <a:fld id="{29C83E6C-40B6-4DF7-B2E2-F703E66700A2}" type="datetimeFigureOut">
               <a:rPr lang="fr-FR" smtClean="0"/>
-              <a:t>16/12/2015</a:t>
+              <a:t>17/12/2015</a:t>
             </a:fld>
             <a:endParaRPr lang="fr-FR"/>
           </a:p>
@@ -631,7 +632,7 @@
           <a:p>
             <a:fld id="{6D9ED5D0-C663-444C-AB50-D90E1FD41D05}" type="slidenum">
               <a:rPr lang="fr-FR" smtClean="0"/>
-              <a:t>18</a:t>
+              <a:t>19</a:t>
             </a:fld>
             <a:endParaRPr lang="fr-FR"/>
           </a:p>
@@ -1152,7 +1153,7 @@
           <a:p>
             <a:fld id="{00E9EAD4-C926-4B8B-A4F7-4BE6E421E4C2}" type="datetime1">
               <a:rPr lang="en-US" smtClean="0"/>
-              <a:t>12/16/2015</a:t>
+              <a:t>12/17/2015</a:t>
             </a:fld>
             <a:endParaRPr lang="en-US" dirty="0"/>
           </a:p>
@@ -1448,7 +1449,7 @@
           <a:p>
             <a:fld id="{581B4B38-A6C9-45D6-8314-6945096249FD}" type="datetime1">
               <a:rPr lang="en-US" smtClean="0"/>
-              <a:t>12/16/2015</a:t>
+              <a:t>12/17/2015</a:t>
             </a:fld>
             <a:endParaRPr lang="en-US" dirty="0"/>
           </a:p>
@@ -1696,7 +1697,7 @@
           <a:p>
             <a:fld id="{5BABE05B-B8E7-4D72-BABE-A32F6DA188AB}" type="datetime1">
               <a:rPr lang="en-US" smtClean="0"/>
-              <a:t>12/16/2015</a:t>
+              <a:t>12/17/2015</a:t>
             </a:fld>
             <a:endParaRPr lang="en-US" dirty="0"/>
           </a:p>
@@ -2236,7 +2237,7 @@
           <a:p>
             <a:fld id="{F7B97766-5341-4C95-85B2-713CBFF7EAF3}" type="datetime1">
               <a:rPr lang="en-US" smtClean="0"/>
-              <a:t>12/16/2015</a:t>
+              <a:t>12/17/2015</a:t>
             </a:fld>
             <a:endParaRPr lang="en-US" dirty="0"/>
           </a:p>
@@ -2484,7 +2485,7 @@
           <a:p>
             <a:fld id="{39528A74-A6C0-4C95-8A92-C7FF16AF47CF}" type="datetime1">
               <a:rPr lang="en-US" smtClean="0"/>
-              <a:t>12/16/2015</a:t>
+              <a:t>12/17/2015</a:t>
             </a:fld>
             <a:endParaRPr lang="en-US" dirty="0"/>
           </a:p>
@@ -3016,7 +3017,7 @@
           <a:p>
             <a:fld id="{EDF64AB2-57DD-4E25-9E1B-38B44ACB1436}" type="datetime1">
               <a:rPr lang="en-US" smtClean="0"/>
-              <a:t>12/16/2015</a:t>
+              <a:t>12/17/2015</a:t>
             </a:fld>
             <a:endParaRPr lang="en-US" dirty="0"/>
           </a:p>
@@ -3313,7 +3314,7 @@
           <a:p>
             <a:fld id="{C901E06B-4A2E-47C3-B359-8555ED12CE45}" type="datetime1">
               <a:rPr lang="en-US" smtClean="0"/>
-              <a:t>12/16/2015</a:t>
+              <a:t>12/17/2015</a:t>
             </a:fld>
             <a:endParaRPr lang="en-US" dirty="0"/>
           </a:p>
@@ -3487,7 +3488,7 @@
           <a:p>
             <a:fld id="{07D15D2D-74CE-4639-96E1-F567065FF664}" type="datetime1">
               <a:rPr lang="en-US" smtClean="0"/>
-              <a:t>12/16/2015</a:t>
+              <a:t>12/17/2015</a:t>
             </a:fld>
             <a:endParaRPr lang="en-US" dirty="0"/>
           </a:p>
@@ -3667,7 +3668,7 @@
           <a:p>
             <a:fld id="{2939545B-2DE5-475A-8506-74CA7DE21467}" type="datetime1">
               <a:rPr lang="en-US" smtClean="0"/>
-              <a:t>12/16/2015</a:t>
+              <a:t>12/17/2015</a:t>
             </a:fld>
             <a:endParaRPr lang="en-US" dirty="0"/>
           </a:p>
@@ -3837,7 +3838,7 @@
           <a:p>
             <a:fld id="{1E9F4905-8AEE-49DF-9472-70497A0E91B4}" type="datetime1">
               <a:rPr lang="en-US" smtClean="0"/>
-              <a:t>12/16/2015</a:t>
+              <a:t>12/17/2015</a:t>
             </a:fld>
             <a:endParaRPr lang="en-US" dirty="0"/>
           </a:p>
@@ -4088,7 +4089,7 @@
           <a:p>
             <a:fld id="{19B510B9-D177-4200-8179-CA39B6DC0518}" type="datetime1">
               <a:rPr lang="en-US" smtClean="0"/>
-              <a:t>12/16/2015</a:t>
+              <a:t>12/17/2015</a:t>
             </a:fld>
             <a:endParaRPr lang="en-US" dirty="0"/>
           </a:p>
@@ -4385,7 +4386,7 @@
           <a:p>
             <a:fld id="{AB1F93A1-0D33-4A63-91AD-1E92492AD5CC}" type="datetime1">
               <a:rPr lang="en-US" smtClean="0"/>
-              <a:t>12/16/2015</a:t>
+              <a:t>12/17/2015</a:t>
             </a:fld>
             <a:endParaRPr lang="en-US" dirty="0"/>
           </a:p>
@@ -4827,7 +4828,7 @@
           <a:p>
             <a:fld id="{ABBCD0D1-17A5-4ADF-AA9E-3FCA4AE0C985}" type="datetime1">
               <a:rPr lang="en-US" smtClean="0"/>
-              <a:t>12/16/2015</a:t>
+              <a:t>12/17/2015</a:t>
             </a:fld>
             <a:endParaRPr lang="en-US" dirty="0"/>
           </a:p>
@@ -4945,7 +4946,7 @@
           <a:p>
             <a:fld id="{FB107B98-6743-446F-8AEA-6064604AFE0E}" type="datetime1">
               <a:rPr lang="en-US" smtClean="0"/>
-              <a:t>12/16/2015</a:t>
+              <a:t>12/17/2015</a:t>
             </a:fld>
             <a:endParaRPr lang="en-US" dirty="0"/>
           </a:p>
@@ -5040,7 +5041,7 @@
           <a:p>
             <a:fld id="{191E4130-0D16-4618-B141-0C7AE836E344}" type="datetime1">
               <a:rPr lang="en-US" smtClean="0"/>
-              <a:t>12/16/2015</a:t>
+              <a:t>12/17/2015</a:t>
             </a:fld>
             <a:endParaRPr lang="en-US" dirty="0"/>
           </a:p>
@@ -5323,7 +5324,7 @@
           <a:p>
             <a:fld id="{CC5F74CF-0229-417B-9F56-ED832D6E9968}" type="datetime1">
               <a:rPr lang="en-US" smtClean="0"/>
-              <a:t>12/16/2015</a:t>
+              <a:t>12/17/2015</a:t>
             </a:fld>
             <a:endParaRPr lang="en-US" dirty="0"/>
           </a:p>
@@ -5614,7 +5615,7 @@
           <a:p>
             <a:fld id="{CE5D3A7C-2C1D-438F-8A5C-BE43AA35AFA1}" type="datetime1">
               <a:rPr lang="en-US" smtClean="0"/>
-              <a:t>12/16/2015</a:t>
+              <a:t>12/17/2015</a:t>
             </a:fld>
             <a:endParaRPr lang="en-US" dirty="0"/>
           </a:p>
@@ -6144,7 +6145,7 @@
           <a:p>
             <a:fld id="{7E2C03DA-6DD8-4EE6-98D5-5AEE914510C6}" type="datetime1">
               <a:rPr lang="en-US" smtClean="0"/>
-              <a:t>12/16/2015</a:t>
+              <a:t>12/17/2015</a:t>
             </a:fld>
             <a:endParaRPr lang="en-US" dirty="0"/>
           </a:p>
@@ -6829,11 +6830,7 @@
           <a:p>
             <a:r>
               <a:rPr lang="fr-FR" dirty="0" smtClean="0"/>
-              <a:t>Etat de l’art - </a:t>
-            </a:r>
-            <a:r>
-              <a:rPr lang="fr-FR" dirty="0" smtClean="0"/>
-              <a:t>Dissection</a:t>
+              <a:t>Etat de l’art - Dissection</a:t>
             </a:r>
             <a:endParaRPr lang="fr-FR" dirty="0"/>
           </a:p>
@@ -6861,11 +6858,7 @@
           <a:p>
             <a:r>
               <a:rPr lang="fr-FR" dirty="0" smtClean="0"/>
-              <a:t>Dissection </a:t>
-            </a:r>
-            <a:r>
-              <a:rPr lang="fr-FR" dirty="0" smtClean="0"/>
-              <a:t>des paquets</a:t>
+              <a:t>Dissection des paquets</a:t>
             </a:r>
           </a:p>
           <a:p>
@@ -7429,7 +7422,6 @@
               <a:rPr lang="fr-FR" dirty="0" smtClean="0"/>
               <a:t>Diagramme de chaleur</a:t>
             </a:r>
-            <a:endParaRPr lang="fr-FR" dirty="0" smtClean="0"/>
           </a:p>
           <a:p>
             <a:pPr marL="0" indent="0">
@@ -7864,11 +7856,7 @@
           <a:p>
             <a:r>
               <a:rPr lang="fr-FR" dirty="0" smtClean="0"/>
-              <a:t>Dissection </a:t>
-            </a:r>
-            <a:r>
-              <a:rPr lang="fr-FR" dirty="0" smtClean="0"/>
-              <a:t>des paquets grâce à </a:t>
+              <a:t>Dissection des paquets grâce à </a:t>
             </a:r>
             <a:r>
               <a:rPr lang="fr-FR" dirty="0" err="1" smtClean="0"/>
@@ -7929,7 +7917,6 @@
               <a:rPr lang="fr-FR" dirty="0" smtClean="0"/>
               <a:t> et maitrisé)</a:t>
             </a:r>
-            <a:endParaRPr lang="fr-FR" dirty="0" smtClean="0"/>
           </a:p>
         </p:txBody>
       </p:sp>
@@ -8038,9 +8025,56 @@
           </a:p>
         </p:txBody>
       </p:sp>
+      <p:sp>
+        <p:nvSpPr>
+          <p:cNvPr id="4" name="Espace réservé du pied de page 3"/>
+          <p:cNvSpPr>
+            <a:spLocks noGrp="1"/>
+          </p:cNvSpPr>
+          <p:nvPr>
+            <p:ph type="ftr" sz="quarter" idx="11"/>
+          </p:nvPr>
+        </p:nvSpPr>
+        <p:spPr/>
+        <p:txBody>
+          <a:bodyPr/>
+          <a:lstStyle/>
+          <a:p>
+            <a:r>
+              <a:rPr lang="en-US" smtClean="0"/>
+              <a:t>Visualisation de capture réseau</a:t>
+            </a:r>
+            <a:endParaRPr lang="en-US" dirty="0"/>
+          </a:p>
+        </p:txBody>
+      </p:sp>
+      <p:sp>
+        <p:nvSpPr>
+          <p:cNvPr id="5" name="Espace réservé du numéro de diapositive 4"/>
+          <p:cNvSpPr>
+            <a:spLocks noGrp="1"/>
+          </p:cNvSpPr>
+          <p:nvPr>
+            <p:ph type="sldNum" sz="quarter" idx="12"/>
+          </p:nvPr>
+        </p:nvSpPr>
+        <p:spPr/>
+        <p:txBody>
+          <a:bodyPr/>
+          <a:lstStyle/>
+          <a:p>
+            <a:fld id="{D57F1E4F-1CFF-5643-939E-217C01CDF565}" type="slidenum">
+              <a:rPr lang="en-US" smtClean="0"/>
+              <a:pPr/>
+              <a:t>16</a:t>
+            </a:fld>
+            <a:endParaRPr lang="en-US" dirty="0"/>
+          </a:p>
+        </p:txBody>
+      </p:sp>
       <p:pic>
         <p:nvPicPr>
-          <p:cNvPr id="6" name="Espace réservé du contenu 5"/>
+          <p:cNvPr id="7" name="Espace réservé du contenu 6"/>
           <p:cNvPicPr>
             <a:picLocks noGrp="1" noChangeAspect="1"/>
           </p:cNvPicPr>
@@ -8062,58 +8096,11 @@
         </p:blipFill>
         <p:spPr>
           <a:xfrm>
-            <a:off x="3684989" y="1771544"/>
-            <a:ext cx="5617357" cy="4111731"/>
+            <a:off x="3375647" y="1318686"/>
+            <a:ext cx="6236042" cy="4564589"/>
           </a:xfrm>
         </p:spPr>
       </p:pic>
-      <p:sp>
-        <p:nvSpPr>
-          <p:cNvPr id="4" name="Espace réservé du pied de page 3"/>
-          <p:cNvSpPr>
-            <a:spLocks noGrp="1"/>
-          </p:cNvSpPr>
-          <p:nvPr>
-            <p:ph type="ftr" sz="quarter" idx="11"/>
-          </p:nvPr>
-        </p:nvSpPr>
-        <p:spPr/>
-        <p:txBody>
-          <a:bodyPr/>
-          <a:lstStyle/>
-          <a:p>
-            <a:r>
-              <a:rPr lang="en-US" smtClean="0"/>
-              <a:t>Visualisation de capture réseau</a:t>
-            </a:r>
-            <a:endParaRPr lang="en-US" dirty="0"/>
-          </a:p>
-        </p:txBody>
-      </p:sp>
-      <p:sp>
-        <p:nvSpPr>
-          <p:cNvPr id="5" name="Espace réservé du numéro de diapositive 4"/>
-          <p:cNvSpPr>
-            <a:spLocks noGrp="1"/>
-          </p:cNvSpPr>
-          <p:nvPr>
-            <p:ph type="sldNum" sz="quarter" idx="12"/>
-          </p:nvPr>
-        </p:nvSpPr>
-        <p:spPr/>
-        <p:txBody>
-          <a:bodyPr/>
-          <a:lstStyle/>
-          <a:p>
-            <a:fld id="{D57F1E4F-1CFF-5643-939E-217C01CDF565}" type="slidenum">
-              <a:rPr lang="en-US" smtClean="0"/>
-              <a:pPr/>
-              <a:t>16</a:t>
-            </a:fld>
-            <a:endParaRPr lang="en-US" dirty="0"/>
-          </a:p>
-        </p:txBody>
-      </p:sp>
     </p:spTree>
     <p:extLst>
       <p:ext uri="{BB962C8B-B14F-4D97-AF65-F5344CB8AC3E}">
@@ -8154,171 +8141,52 @@
             <p:ph type="title"/>
           </p:nvPr>
         </p:nvSpPr>
-        <p:spPr/>
-        <p:txBody>
-          <a:bodyPr/>
-          <a:lstStyle/>
-          <a:p>
-            <a:r>
-              <a:rPr lang="fr-FR" dirty="0" smtClean="0"/>
-              <a:t>Bibliographie</a:t>
-            </a:r>
-            <a:endParaRPr lang="fr-FR" dirty="0"/>
-          </a:p>
-        </p:txBody>
-      </p:sp>
-      <p:sp>
-        <p:nvSpPr>
-          <p:cNvPr id="3" name="Espace réservé du contenu 2"/>
-          <p:cNvSpPr>
-            <a:spLocks noGrp="1"/>
-          </p:cNvSpPr>
+        <p:spPr>
+          <a:xfrm>
+            <a:off x="1484310" y="488095"/>
+            <a:ext cx="10018713" cy="772297"/>
+          </a:xfrm>
+        </p:spPr>
+        <p:txBody>
+          <a:bodyPr/>
+          <a:lstStyle/>
+          <a:p>
+            <a:r>
+              <a:rPr lang="fr-FR" dirty="0"/>
+              <a:t>Premier Design</a:t>
+            </a:r>
+          </a:p>
+        </p:txBody>
+      </p:sp>
+      <p:pic>
+        <p:nvPicPr>
+          <p:cNvPr id="6" name="Espace réservé du contenu 5"/>
+          <p:cNvPicPr>
+            <a:picLocks noGrp="1" noChangeAspect="1"/>
+          </p:cNvPicPr>
           <p:nvPr>
             <p:ph idx="1"/>
           </p:nvPr>
-        </p:nvSpPr>
-        <p:spPr/>
-        <p:txBody>
-          <a:bodyPr/>
-          <a:lstStyle/>
-          <a:p>
-            <a:r>
-              <a:rPr lang="fr-FR" dirty="0" smtClean="0"/>
-              <a:t>C. Sanders - </a:t>
-            </a:r>
-            <a:r>
-              <a:rPr lang="fr-FR" dirty="0" err="1" smtClean="0"/>
-              <a:t>Practical</a:t>
-            </a:r>
-            <a:r>
-              <a:rPr lang="fr-FR" dirty="0" smtClean="0"/>
-              <a:t> </a:t>
-            </a:r>
-            <a:r>
-              <a:rPr lang="fr-FR" dirty="0" err="1" smtClean="0"/>
-              <a:t>Packet</a:t>
-            </a:r>
-            <a:r>
-              <a:rPr lang="fr-FR" dirty="0" smtClean="0"/>
-              <a:t> </a:t>
-            </a:r>
-            <a:r>
-              <a:rPr lang="fr-FR" dirty="0" err="1" smtClean="0"/>
-              <a:t>Analysis</a:t>
-            </a:r>
-            <a:endParaRPr lang="fr-FR" dirty="0" smtClean="0"/>
-          </a:p>
-          <a:p>
-            <a:r>
-              <a:rPr lang="fr-FR" dirty="0" smtClean="0"/>
-              <a:t>M. </a:t>
-            </a:r>
-            <a:r>
-              <a:rPr lang="fr-FR" dirty="0" err="1" smtClean="0"/>
-              <a:t>Summerfield</a:t>
-            </a:r>
-            <a:r>
-              <a:rPr lang="fr-FR" dirty="0" smtClean="0"/>
-              <a:t> - Rapid GUI </a:t>
-            </a:r>
-            <a:r>
-              <a:rPr lang="fr-FR" dirty="0" err="1" smtClean="0"/>
-              <a:t>Programming</a:t>
-            </a:r>
-            <a:r>
-              <a:rPr lang="fr-FR" dirty="0" smtClean="0"/>
-              <a:t> </a:t>
-            </a:r>
-            <a:r>
-              <a:rPr lang="fr-FR" dirty="0" err="1" smtClean="0"/>
-              <a:t>with</a:t>
-            </a:r>
-            <a:r>
-              <a:rPr lang="fr-FR" dirty="0" smtClean="0"/>
-              <a:t> Python and </a:t>
-            </a:r>
-            <a:r>
-              <a:rPr lang="fr-FR" dirty="0" err="1" smtClean="0"/>
-              <a:t>Qt</a:t>
-            </a:r>
-            <a:endParaRPr lang="fr-FR" dirty="0" smtClean="0"/>
-          </a:p>
-          <a:p>
-            <a:r>
-              <a:rPr lang="fr-FR" dirty="0" smtClean="0"/>
-              <a:t>R. Marty - </a:t>
-            </a:r>
-            <a:r>
-              <a:rPr lang="fr-FR" dirty="0" err="1" smtClean="0"/>
-              <a:t>Applied</a:t>
-            </a:r>
-            <a:r>
-              <a:rPr lang="fr-FR" dirty="0" smtClean="0"/>
-              <a:t> Security </a:t>
-            </a:r>
-            <a:r>
-              <a:rPr lang="fr-FR" dirty="0" err="1" smtClean="0"/>
-              <a:t>Visualization</a:t>
-            </a:r>
-            <a:endParaRPr lang="fr-FR" dirty="0" smtClean="0"/>
-          </a:p>
-          <a:p>
-            <a:r>
-              <a:rPr lang="fr-FR" dirty="0" smtClean="0"/>
-              <a:t>M. </a:t>
-            </a:r>
-            <a:r>
-              <a:rPr lang="fr-FR" dirty="0" err="1" smtClean="0"/>
-              <a:t>Shahrulniza</a:t>
-            </a:r>
-            <a:r>
-              <a:rPr lang="fr-FR" dirty="0" smtClean="0"/>
-              <a:t> - </a:t>
-            </a:r>
-            <a:r>
-              <a:rPr lang="fr-FR" dirty="0" err="1" smtClean="0"/>
-              <a:t>Visualising</a:t>
-            </a:r>
-            <a:r>
-              <a:rPr lang="fr-FR" dirty="0" smtClean="0"/>
-              <a:t> network </a:t>
-            </a:r>
-            <a:r>
-              <a:rPr lang="fr-FR" dirty="0" err="1" smtClean="0"/>
-              <a:t>security</a:t>
-            </a:r>
-            <a:r>
-              <a:rPr lang="fr-FR" dirty="0" smtClean="0"/>
-              <a:t> </a:t>
-            </a:r>
-            <a:r>
-              <a:rPr lang="fr-FR" dirty="0" err="1" smtClean="0"/>
-              <a:t>attacks</a:t>
-            </a:r>
-            <a:r>
-              <a:rPr lang="fr-FR" dirty="0" smtClean="0"/>
-              <a:t> </a:t>
-            </a:r>
-            <a:r>
-              <a:rPr lang="fr-FR" dirty="0" err="1" smtClean="0"/>
-              <a:t>with</a:t>
-            </a:r>
-            <a:r>
-              <a:rPr lang="fr-FR" dirty="0" smtClean="0"/>
-              <a:t> multiple 3D visualisation and false </a:t>
-            </a:r>
-            <a:r>
-              <a:rPr lang="fr-FR" dirty="0" err="1" smtClean="0"/>
-              <a:t>alert</a:t>
-            </a:r>
-            <a:r>
-              <a:rPr lang="fr-FR" dirty="0" smtClean="0"/>
-              <a:t> classification</a:t>
-            </a:r>
-            <a:endParaRPr lang="fr-FR" dirty="0"/>
-          </a:p>
-        </p:txBody>
-      </p:sp>
+        </p:nvPicPr>
+        <p:blipFill>
+          <a:blip r:embed="rId2">
+            <a:extLst>
+              <a:ext uri="{28A0092B-C50C-407E-A947-70E740481C1C}">
+                <a14:useLocalDpi xmlns:a14="http://schemas.microsoft.com/office/drawing/2010/main" val="0"/>
+              </a:ext>
+            </a:extLst>
+          </a:blip>
+          <a:stretch>
+            <a:fillRect/>
+          </a:stretch>
+        </p:blipFill>
+        <p:spPr>
+          <a:xfrm>
+            <a:off x="3334816" y="1259654"/>
+            <a:ext cx="6317699" cy="4624360"/>
+          </a:xfrm>
+        </p:spPr>
+      </p:pic>
       <p:sp>
         <p:nvSpPr>
           <p:cNvPr id="4" name="Espace réservé du pied de page 3"/>
@@ -8369,7 +8237,7 @@
     </p:spTree>
     <p:extLst>
       <p:ext uri="{BB962C8B-B14F-4D97-AF65-F5344CB8AC3E}">
-        <p14:creationId xmlns:p14="http://schemas.microsoft.com/office/powerpoint/2010/main" val="3866711292"/>
+        <p14:creationId xmlns:p14="http://schemas.microsoft.com/office/powerpoint/2010/main" val="1026646277"/>
       </p:ext>
     </p:extLst>
   </p:cSld>
@@ -8403,7 +8271,7 @@
             <a:spLocks noGrp="1"/>
           </p:cNvSpPr>
           <p:nvPr>
-            <p:ph type="ctrTitle"/>
+            <p:ph type="title"/>
           </p:nvPr>
         </p:nvSpPr>
         <p:spPr/>
@@ -8413,7 +8281,7 @@
           <a:p>
             <a:r>
               <a:rPr lang="fr-FR" dirty="0" smtClean="0"/>
-              <a:t>A bientôt !</a:t>
+              <a:t>Bibliographie</a:t>
             </a:r>
             <a:endParaRPr lang="fr-FR" dirty="0"/>
           </a:p>
@@ -8421,7 +8289,182 @@
       </p:sp>
       <p:sp>
         <p:nvSpPr>
-          <p:cNvPr id="4" name="Espace réservé du numéro de diapositive 3"/>
+          <p:cNvPr id="3" name="Espace réservé du contenu 2"/>
+          <p:cNvSpPr>
+            <a:spLocks noGrp="1"/>
+          </p:cNvSpPr>
+          <p:nvPr>
+            <p:ph idx="1"/>
+          </p:nvPr>
+        </p:nvSpPr>
+        <p:spPr/>
+        <p:txBody>
+          <a:bodyPr/>
+          <a:lstStyle/>
+          <a:p>
+            <a:r>
+              <a:rPr lang="fr-FR" dirty="0" smtClean="0"/>
+              <a:t>C. Sanders - </a:t>
+            </a:r>
+            <a:r>
+              <a:rPr lang="fr-FR" dirty="0" err="1" smtClean="0"/>
+              <a:t>Practical</a:t>
+            </a:r>
+            <a:r>
+              <a:rPr lang="fr-FR" dirty="0" smtClean="0"/>
+              <a:t> </a:t>
+            </a:r>
+            <a:r>
+              <a:rPr lang="fr-FR" dirty="0" err="1" smtClean="0"/>
+              <a:t>Packet</a:t>
+            </a:r>
+            <a:r>
+              <a:rPr lang="fr-FR" dirty="0" smtClean="0"/>
+              <a:t> </a:t>
+            </a:r>
+            <a:r>
+              <a:rPr lang="fr-FR" dirty="0" err="1" smtClean="0"/>
+              <a:t>Analysis</a:t>
+            </a:r>
+            <a:endParaRPr lang="fr-FR" dirty="0" smtClean="0"/>
+          </a:p>
+          <a:p>
+            <a:r>
+              <a:rPr lang="fr-FR" dirty="0" smtClean="0"/>
+              <a:t>M. </a:t>
+            </a:r>
+            <a:r>
+              <a:rPr lang="fr-FR" dirty="0" err="1" smtClean="0"/>
+              <a:t>Summerfield</a:t>
+            </a:r>
+            <a:r>
+              <a:rPr lang="fr-FR" dirty="0" smtClean="0"/>
+              <a:t> - Rapid GUI </a:t>
+            </a:r>
+            <a:r>
+              <a:rPr lang="fr-FR" dirty="0" err="1" smtClean="0"/>
+              <a:t>Programming</a:t>
+            </a:r>
+            <a:r>
+              <a:rPr lang="fr-FR" dirty="0" smtClean="0"/>
+              <a:t> </a:t>
+            </a:r>
+            <a:r>
+              <a:rPr lang="fr-FR" dirty="0" err="1" smtClean="0"/>
+              <a:t>with</a:t>
+            </a:r>
+            <a:r>
+              <a:rPr lang="fr-FR" dirty="0" smtClean="0"/>
+              <a:t> Python and </a:t>
+            </a:r>
+            <a:r>
+              <a:rPr lang="fr-FR" dirty="0" err="1" smtClean="0"/>
+              <a:t>Qt</a:t>
+            </a:r>
+            <a:endParaRPr lang="fr-FR" dirty="0" smtClean="0"/>
+          </a:p>
+          <a:p>
+            <a:r>
+              <a:rPr lang="fr-FR" dirty="0" smtClean="0"/>
+              <a:t>R. Marty - </a:t>
+            </a:r>
+            <a:r>
+              <a:rPr lang="fr-FR" dirty="0" err="1" smtClean="0"/>
+              <a:t>Applied</a:t>
+            </a:r>
+            <a:r>
+              <a:rPr lang="fr-FR" dirty="0" smtClean="0"/>
+              <a:t> Security </a:t>
+            </a:r>
+            <a:r>
+              <a:rPr lang="fr-FR" dirty="0" err="1" smtClean="0"/>
+              <a:t>Visualization</a:t>
+            </a:r>
+            <a:endParaRPr lang="fr-FR" dirty="0" smtClean="0"/>
+          </a:p>
+          <a:p>
+            <a:r>
+              <a:rPr lang="fr-FR" dirty="0" smtClean="0"/>
+              <a:t>M. </a:t>
+            </a:r>
+            <a:r>
+              <a:rPr lang="fr-FR" dirty="0" err="1" smtClean="0"/>
+              <a:t>Shahrulniza</a:t>
+            </a:r>
+            <a:r>
+              <a:rPr lang="fr-FR" dirty="0" smtClean="0"/>
+              <a:t> - </a:t>
+            </a:r>
+            <a:r>
+              <a:rPr lang="fr-FR" dirty="0" err="1" smtClean="0"/>
+              <a:t>Visualising</a:t>
+            </a:r>
+            <a:r>
+              <a:rPr lang="fr-FR" dirty="0" smtClean="0"/>
+              <a:t> network </a:t>
+            </a:r>
+            <a:r>
+              <a:rPr lang="fr-FR" dirty="0" err="1" smtClean="0"/>
+              <a:t>security</a:t>
+            </a:r>
+            <a:r>
+              <a:rPr lang="fr-FR" dirty="0" smtClean="0"/>
+              <a:t> </a:t>
+            </a:r>
+            <a:r>
+              <a:rPr lang="fr-FR" dirty="0" err="1" smtClean="0"/>
+              <a:t>attacks</a:t>
+            </a:r>
+            <a:r>
+              <a:rPr lang="fr-FR" dirty="0" smtClean="0"/>
+              <a:t> </a:t>
+            </a:r>
+            <a:r>
+              <a:rPr lang="fr-FR" dirty="0" err="1" smtClean="0"/>
+              <a:t>with</a:t>
+            </a:r>
+            <a:r>
+              <a:rPr lang="fr-FR" dirty="0" smtClean="0"/>
+              <a:t> multiple 3D visualisation and false </a:t>
+            </a:r>
+            <a:r>
+              <a:rPr lang="fr-FR" dirty="0" err="1" smtClean="0"/>
+              <a:t>alert</a:t>
+            </a:r>
+            <a:r>
+              <a:rPr lang="fr-FR" dirty="0" smtClean="0"/>
+              <a:t> classification</a:t>
+            </a:r>
+            <a:endParaRPr lang="fr-FR" dirty="0"/>
+          </a:p>
+        </p:txBody>
+      </p:sp>
+      <p:sp>
+        <p:nvSpPr>
+          <p:cNvPr id="4" name="Espace réservé du pied de page 3"/>
+          <p:cNvSpPr>
+            <a:spLocks noGrp="1"/>
+          </p:cNvSpPr>
+          <p:nvPr>
+            <p:ph type="ftr" sz="quarter" idx="11"/>
+          </p:nvPr>
+        </p:nvSpPr>
+        <p:spPr/>
+        <p:txBody>
+          <a:bodyPr/>
+          <a:lstStyle/>
+          <a:p>
+            <a:r>
+              <a:rPr lang="en-US" smtClean="0"/>
+              <a:t>Visualisation de capture réseau</a:t>
+            </a:r>
+            <a:endParaRPr lang="en-US" dirty="0"/>
+          </a:p>
+        </p:txBody>
+      </p:sp>
+      <p:sp>
+        <p:nvSpPr>
+          <p:cNvPr id="5" name="Espace réservé du numéro de diapositive 4"/>
           <p:cNvSpPr>
             <a:spLocks noGrp="1"/>
           </p:cNvSpPr>
@@ -8438,6 +8481,83 @@
               <a:rPr lang="en-US" smtClean="0"/>
               <a:pPr/>
               <a:t>18</a:t>
+            </a:fld>
+            <a:endParaRPr lang="en-US" dirty="0"/>
+          </a:p>
+        </p:txBody>
+      </p:sp>
+    </p:spTree>
+    <p:extLst>
+      <p:ext uri="{BB962C8B-B14F-4D97-AF65-F5344CB8AC3E}">
+        <p14:creationId xmlns:p14="http://schemas.microsoft.com/office/powerpoint/2010/main" val="3866711292"/>
+      </p:ext>
+    </p:extLst>
+  </p:cSld>
+  <p:clrMapOvr>
+    <a:masterClrMapping/>
+  </p:clrMapOvr>
+</p:sld>
+</file>
+
+<file path=ppt/slides/slide19.xml><?xml version="1.0" encoding="utf-8"?>
+<p:sld xmlns:a="http://schemas.openxmlformats.org/drawingml/2006/main" xmlns:r="http://schemas.openxmlformats.org/officeDocument/2006/relationships" xmlns:p="http://schemas.openxmlformats.org/presentationml/2006/main">
+  <p:cSld>
+    <p:spTree>
+      <p:nvGrpSpPr>
+        <p:cNvPr id="1" name=""/>
+        <p:cNvGrpSpPr/>
+        <p:nvPr/>
+      </p:nvGrpSpPr>
+      <p:grpSpPr>
+        <a:xfrm>
+          <a:off x="0" y="0"/>
+          <a:ext cx="0" cy="0"/>
+          <a:chOff x="0" y="0"/>
+          <a:chExt cx="0" cy="0"/>
+        </a:xfrm>
+      </p:grpSpPr>
+      <p:sp>
+        <p:nvSpPr>
+          <p:cNvPr id="2" name="Titre 1"/>
+          <p:cNvSpPr>
+            <a:spLocks noGrp="1"/>
+          </p:cNvSpPr>
+          <p:nvPr>
+            <p:ph type="ctrTitle"/>
+          </p:nvPr>
+        </p:nvSpPr>
+        <p:spPr/>
+        <p:txBody>
+          <a:bodyPr/>
+          <a:lstStyle/>
+          <a:p>
+            <a:r>
+              <a:rPr lang="fr-FR" dirty="0" smtClean="0"/>
+              <a:t>A bientôt !</a:t>
+            </a:r>
+            <a:endParaRPr lang="fr-FR" dirty="0"/>
+          </a:p>
+        </p:txBody>
+      </p:sp>
+      <p:sp>
+        <p:nvSpPr>
+          <p:cNvPr id="4" name="Espace réservé du numéro de diapositive 3"/>
+          <p:cNvSpPr>
+            <a:spLocks noGrp="1"/>
+          </p:cNvSpPr>
+          <p:nvPr>
+            <p:ph type="sldNum" sz="quarter" idx="12"/>
+          </p:nvPr>
+        </p:nvSpPr>
+        <p:spPr/>
+        <p:txBody>
+          <a:bodyPr/>
+          <a:lstStyle/>
+          <a:p>
+            <a:fld id="{D57F1E4F-1CFF-5643-939E-217C01CDF565}" type="slidenum">
+              <a:rPr lang="en-US" smtClean="0"/>
+              <a:pPr/>
+              <a:t>19</a:t>
             </a:fld>
             <a:endParaRPr lang="en-US" dirty="0"/>
           </a:p>
@@ -8698,15 +8818,7 @@
             <a:pPr lvl="1"/>
             <a:r>
               <a:rPr lang="fr-FR" dirty="0" smtClean="0"/>
-              <a:t>Besoin d’utiliser </a:t>
-            </a:r>
-            <a:r>
-              <a:rPr lang="fr-FR" dirty="0" smtClean="0"/>
-              <a:t>de </a:t>
-            </a:r>
-            <a:r>
-              <a:rPr lang="fr-FR" dirty="0" smtClean="0"/>
-              <a:t>nombreux outils différents </a:t>
+              <a:t>Besoin d’utiliser de nombreux outils différents </a:t>
             </a:r>
           </a:p>
           <a:p>
@@ -9199,11 +9311,7 @@
             </a:r>
             <a:r>
               <a:rPr lang="fr-FR" dirty="0" smtClean="0"/>
-              <a:t>es </a:t>
-            </a:r>
-            <a:r>
-              <a:rPr lang="fr-FR" dirty="0" smtClean="0"/>
-              <a:t>différents </a:t>
+              <a:t>es différents </a:t>
             </a:r>
             <a:r>
               <a:rPr lang="fr-FR" dirty="0" err="1" smtClean="0"/>
@@ -9213,7 +9321,6 @@
               <a:rPr lang="fr-FR" dirty="0" smtClean="0"/>
               <a:t> et de leur informations collectées </a:t>
             </a:r>
-            <a:endParaRPr lang="fr-FR" dirty="0" smtClean="0"/>
           </a:p>
           <a:p>
             <a:pPr lvl="1"/>
@@ -9240,7 +9347,6 @@
               <a:rPr lang="fr-FR" dirty="0" smtClean="0"/>
               <a:t>Filtrage  par protagonistes ou par protocole</a:t>
             </a:r>
-            <a:endParaRPr lang="fr-FR" dirty="0" smtClean="0"/>
           </a:p>
           <a:p>
             <a:pPr marL="457200" lvl="1" indent="0">
@@ -9389,13 +9495,8 @@
             <a:pPr lvl="1"/>
             <a:r>
               <a:rPr lang="fr-FR" dirty="0" smtClean="0"/>
-              <a:t>Reconstruction des </a:t>
-            </a:r>
-            <a:r>
-              <a:rPr lang="fr-FR" dirty="0" smtClean="0"/>
-              <a:t>sessions HTTP</a:t>
-            </a:r>
-            <a:endParaRPr lang="fr-FR" dirty="0" smtClean="0"/>
+              <a:t>Reconstruction des sessions HTTP</a:t>
+            </a:r>
           </a:p>
           <a:p>
             <a:pPr lvl="1"/>
@@ -9543,11 +9644,7 @@
           <a:p>
             <a:r>
               <a:rPr lang="fr-FR" dirty="0" smtClean="0"/>
-              <a:t>Palier 2 : Ajouts des </a:t>
-            </a:r>
-            <a:r>
-              <a:rPr lang="fr-FR" dirty="0" smtClean="0"/>
-              <a:t>fonctionnalités</a:t>
+              <a:t>Palier 2 : Ajouts des fonctionnalités</a:t>
             </a:r>
           </a:p>
           <a:p>
@@ -9556,7 +9653,6 @@
               <a:rPr lang="fr-FR" dirty="0" smtClean="0"/>
               <a:t>Reconstruction des sessions mail, FTP</a:t>
             </a:r>
-            <a:endParaRPr lang="fr-FR" dirty="0" smtClean="0"/>
           </a:p>
           <a:p>
             <a:pPr lvl="1"/>
@@ -9564,7 +9660,6 @@
               <a:rPr lang="fr-FR" dirty="0" smtClean="0"/>
               <a:t>Détection de défaut de configuration (protocole, certificat, configuration des serveurs)</a:t>
             </a:r>
-            <a:endParaRPr lang="fr-FR" dirty="0" smtClean="0"/>
           </a:p>
           <a:p>
             <a:pPr lvl="1"/>
@@ -9700,11 +9795,7 @@
             <a:pPr lvl="1"/>
             <a:r>
               <a:rPr lang="fr-FR" dirty="0" smtClean="0"/>
-              <a:t>Identification automatique de vulnérabilités </a:t>
-            </a:r>
-            <a:r>
-              <a:rPr lang="fr-FR" dirty="0" smtClean="0"/>
-              <a:t>connues</a:t>
+              <a:t>Identification automatique de vulnérabilités connues</a:t>
             </a:r>
           </a:p>
           <a:p>
@@ -9728,7 +9819,6 @@
               <a:rPr lang="fr-FR" dirty="0" smtClean="0"/>
               <a:t>MITM</a:t>
             </a:r>
-            <a:endParaRPr lang="fr-FR" dirty="0" smtClean="0"/>
           </a:p>
           <a:p>
             <a:pPr marL="457200" lvl="1" indent="0">

--- a/Outils de visualisation de capture réseau.pptx
+++ b/Outils de visualisation de capture réseau.pptx
@@ -5,7 +5,7 @@
     <p:sldMasterId id="2147483648" r:id="rId1"/>
   </p:sldMasterIdLst>
   <p:notesMasterIdLst>
-    <p:notesMasterId r:id="rId21"/>
+    <p:notesMasterId r:id="rId23"/>
   </p:notesMasterIdLst>
   <p:sldIdLst>
     <p:sldId id="256" r:id="rId2"/>
@@ -18,15 +18,17 @@
     <p:sldId id="267" r:id="rId9"/>
     <p:sldId id="268" r:id="rId10"/>
     <p:sldId id="271" r:id="rId11"/>
-    <p:sldId id="270" r:id="rId12"/>
-    <p:sldId id="275" r:id="rId13"/>
-    <p:sldId id="276" r:id="rId14"/>
-    <p:sldId id="277" r:id="rId15"/>
-    <p:sldId id="263" r:id="rId16"/>
-    <p:sldId id="272" r:id="rId17"/>
-    <p:sldId id="278" r:id="rId18"/>
-    <p:sldId id="274" r:id="rId19"/>
-    <p:sldId id="273" r:id="rId20"/>
+    <p:sldId id="279" r:id="rId12"/>
+    <p:sldId id="280" r:id="rId13"/>
+    <p:sldId id="281" r:id="rId14"/>
+    <p:sldId id="282" r:id="rId15"/>
+    <p:sldId id="283" r:id="rId16"/>
+    <p:sldId id="284" r:id="rId17"/>
+    <p:sldId id="285" r:id="rId18"/>
+    <p:sldId id="272" r:id="rId19"/>
+    <p:sldId id="278" r:id="rId20"/>
+    <p:sldId id="274" r:id="rId21"/>
+    <p:sldId id="273" r:id="rId22"/>
   </p:sldIdLst>
   <p:sldSz cx="12192000" cy="6858000"/>
   <p:notesSz cx="6858000" cy="9144000"/>
@@ -215,7 +217,7 @@
           <a:p>
             <a:fld id="{29C83E6C-40B6-4DF7-B2E2-F703E66700A2}" type="datetimeFigureOut">
               <a:rPr lang="fr-FR" smtClean="0"/>
-              <a:t>17/12/2015</a:t>
+              <a:t>18/12/2015</a:t>
             </a:fld>
             <a:endParaRPr lang="fr-FR"/>
           </a:p>
@@ -632,7 +634,7 @@
           <a:p>
             <a:fld id="{6D9ED5D0-C663-444C-AB50-D90E1FD41D05}" type="slidenum">
               <a:rPr lang="fr-FR" smtClean="0"/>
-              <a:t>19</a:t>
+              <a:t>21</a:t>
             </a:fld>
             <a:endParaRPr lang="fr-FR"/>
           </a:p>
@@ -1153,7 +1155,7 @@
           <a:p>
             <a:fld id="{00E9EAD4-C926-4B8B-A4F7-4BE6E421E4C2}" type="datetime1">
               <a:rPr lang="en-US" smtClean="0"/>
-              <a:t>12/17/2015</a:t>
+              <a:t>12/18/2015</a:t>
             </a:fld>
             <a:endParaRPr lang="en-US" dirty="0"/>
           </a:p>
@@ -1449,7 +1451,7 @@
           <a:p>
             <a:fld id="{581B4B38-A6C9-45D6-8314-6945096249FD}" type="datetime1">
               <a:rPr lang="en-US" smtClean="0"/>
-              <a:t>12/17/2015</a:t>
+              <a:t>12/18/2015</a:t>
             </a:fld>
             <a:endParaRPr lang="en-US" dirty="0"/>
           </a:p>
@@ -1697,7 +1699,7 @@
           <a:p>
             <a:fld id="{5BABE05B-B8E7-4D72-BABE-A32F6DA188AB}" type="datetime1">
               <a:rPr lang="en-US" smtClean="0"/>
-              <a:t>12/17/2015</a:t>
+              <a:t>12/18/2015</a:t>
             </a:fld>
             <a:endParaRPr lang="en-US" dirty="0"/>
           </a:p>
@@ -2237,7 +2239,7 @@
           <a:p>
             <a:fld id="{F7B97766-5341-4C95-85B2-713CBFF7EAF3}" type="datetime1">
               <a:rPr lang="en-US" smtClean="0"/>
-              <a:t>12/17/2015</a:t>
+              <a:t>12/18/2015</a:t>
             </a:fld>
             <a:endParaRPr lang="en-US" dirty="0"/>
           </a:p>
@@ -2485,7 +2487,7 @@
           <a:p>
             <a:fld id="{39528A74-A6C0-4C95-8A92-C7FF16AF47CF}" type="datetime1">
               <a:rPr lang="en-US" smtClean="0"/>
-              <a:t>12/17/2015</a:t>
+              <a:t>12/18/2015</a:t>
             </a:fld>
             <a:endParaRPr lang="en-US" dirty="0"/>
           </a:p>
@@ -3017,7 +3019,7 @@
           <a:p>
             <a:fld id="{EDF64AB2-57DD-4E25-9E1B-38B44ACB1436}" type="datetime1">
               <a:rPr lang="en-US" smtClean="0"/>
-              <a:t>12/17/2015</a:t>
+              <a:t>12/18/2015</a:t>
             </a:fld>
             <a:endParaRPr lang="en-US" dirty="0"/>
           </a:p>
@@ -3314,7 +3316,7 @@
           <a:p>
             <a:fld id="{C901E06B-4A2E-47C3-B359-8555ED12CE45}" type="datetime1">
               <a:rPr lang="en-US" smtClean="0"/>
-              <a:t>12/17/2015</a:t>
+              <a:t>12/18/2015</a:t>
             </a:fld>
             <a:endParaRPr lang="en-US" dirty="0"/>
           </a:p>
@@ -3488,7 +3490,7 @@
           <a:p>
             <a:fld id="{07D15D2D-74CE-4639-96E1-F567065FF664}" type="datetime1">
               <a:rPr lang="en-US" smtClean="0"/>
-              <a:t>12/17/2015</a:t>
+              <a:t>12/18/2015</a:t>
             </a:fld>
             <a:endParaRPr lang="en-US" dirty="0"/>
           </a:p>
@@ -3668,7 +3670,7 @@
           <a:p>
             <a:fld id="{2939545B-2DE5-475A-8506-74CA7DE21467}" type="datetime1">
               <a:rPr lang="en-US" smtClean="0"/>
-              <a:t>12/17/2015</a:t>
+              <a:t>12/18/2015</a:t>
             </a:fld>
             <a:endParaRPr lang="en-US" dirty="0"/>
           </a:p>
@@ -3838,7 +3840,7 @@
           <a:p>
             <a:fld id="{1E9F4905-8AEE-49DF-9472-70497A0E91B4}" type="datetime1">
               <a:rPr lang="en-US" smtClean="0"/>
-              <a:t>12/17/2015</a:t>
+              <a:t>12/18/2015</a:t>
             </a:fld>
             <a:endParaRPr lang="en-US" dirty="0"/>
           </a:p>
@@ -4089,7 +4091,7 @@
           <a:p>
             <a:fld id="{19B510B9-D177-4200-8179-CA39B6DC0518}" type="datetime1">
               <a:rPr lang="en-US" smtClean="0"/>
-              <a:t>12/17/2015</a:t>
+              <a:t>12/18/2015</a:t>
             </a:fld>
             <a:endParaRPr lang="en-US" dirty="0"/>
           </a:p>
@@ -4386,7 +4388,7 @@
           <a:p>
             <a:fld id="{AB1F93A1-0D33-4A63-91AD-1E92492AD5CC}" type="datetime1">
               <a:rPr lang="en-US" smtClean="0"/>
-              <a:t>12/17/2015</a:t>
+              <a:t>12/18/2015</a:t>
             </a:fld>
             <a:endParaRPr lang="en-US" dirty="0"/>
           </a:p>
@@ -4828,7 +4830,7 @@
           <a:p>
             <a:fld id="{ABBCD0D1-17A5-4ADF-AA9E-3FCA4AE0C985}" type="datetime1">
               <a:rPr lang="en-US" smtClean="0"/>
-              <a:t>12/17/2015</a:t>
+              <a:t>12/18/2015</a:t>
             </a:fld>
             <a:endParaRPr lang="en-US" dirty="0"/>
           </a:p>
@@ -4946,7 +4948,7 @@
           <a:p>
             <a:fld id="{FB107B98-6743-446F-8AEA-6064604AFE0E}" type="datetime1">
               <a:rPr lang="en-US" smtClean="0"/>
-              <a:t>12/17/2015</a:t>
+              <a:t>12/18/2015</a:t>
             </a:fld>
             <a:endParaRPr lang="en-US" dirty="0"/>
           </a:p>
@@ -5041,7 +5043,7 @@
           <a:p>
             <a:fld id="{191E4130-0D16-4618-B141-0C7AE836E344}" type="datetime1">
               <a:rPr lang="en-US" smtClean="0"/>
-              <a:t>12/17/2015</a:t>
+              <a:t>12/18/2015</a:t>
             </a:fld>
             <a:endParaRPr lang="en-US" dirty="0"/>
           </a:p>
@@ -5324,7 +5326,7 @@
           <a:p>
             <a:fld id="{CC5F74CF-0229-417B-9F56-ED832D6E9968}" type="datetime1">
               <a:rPr lang="en-US" smtClean="0"/>
-              <a:t>12/17/2015</a:t>
+              <a:t>12/18/2015</a:t>
             </a:fld>
             <a:endParaRPr lang="en-US" dirty="0"/>
           </a:p>
@@ -5615,7 +5617,7 @@
           <a:p>
             <a:fld id="{CE5D3A7C-2C1D-438F-8A5C-BE43AA35AFA1}" type="datetime1">
               <a:rPr lang="en-US" smtClean="0"/>
-              <a:t>12/17/2015</a:t>
+              <a:t>12/18/2015</a:t>
             </a:fld>
             <a:endParaRPr lang="en-US" dirty="0"/>
           </a:p>
@@ -6145,7 +6147,7 @@
           <a:p>
             <a:fld id="{7E2C03DA-6DD8-4EE6-98D5-5AEE914510C6}" type="datetime1">
               <a:rPr lang="en-US" smtClean="0"/>
-              <a:t>12/17/2015</a:t>
+              <a:t>12/18/2015</a:t>
             </a:fld>
             <a:endParaRPr lang="en-US" dirty="0"/>
           </a:p>
@@ -7255,75 +7257,7 @@
       </p:sp>
       <p:sp>
         <p:nvSpPr>
-          <p:cNvPr id="3" name="Espace réservé du contenu 2"/>
-          <p:cNvSpPr>
-            <a:spLocks noGrp="1"/>
-          </p:cNvSpPr>
-          <p:nvPr>
-            <p:ph idx="1"/>
-          </p:nvPr>
-        </p:nvSpPr>
-        <p:spPr>
-          <a:xfrm>
-            <a:off x="1484310" y="975361"/>
-            <a:ext cx="10018713" cy="4815840"/>
-          </a:xfrm>
-        </p:spPr>
-        <p:txBody>
-          <a:bodyPr/>
-          <a:lstStyle/>
-          <a:p>
-            <a:r>
-              <a:rPr lang="fr-FR" dirty="0" smtClean="0"/>
-              <a:t>Visualisation </a:t>
-            </a:r>
-            <a:r>
-              <a:rPr lang="fr-FR" dirty="0" err="1" smtClean="0"/>
-              <a:t>parallele</a:t>
-            </a:r>
-            <a:endParaRPr lang="fr-FR" dirty="0" smtClean="0"/>
-          </a:p>
-          <a:p>
-            <a:pPr marL="0" indent="0">
-              <a:buNone/>
-            </a:pPr>
-            <a:r>
-              <a:rPr lang="fr-FR" dirty="0" smtClean="0"/>
-              <a:t> </a:t>
-            </a:r>
-          </a:p>
-          <a:p>
-            <a:pPr lvl="1"/>
-            <a:endParaRPr lang="fr-FR" dirty="0"/>
-          </a:p>
-        </p:txBody>
-      </p:sp>
-      <p:sp>
-        <p:nvSpPr>
-          <p:cNvPr id="4" name="Espace réservé du pied de page 3"/>
-          <p:cNvSpPr>
-            <a:spLocks noGrp="1"/>
-          </p:cNvSpPr>
-          <p:nvPr>
-            <p:ph type="ftr" sz="quarter" idx="11"/>
-          </p:nvPr>
-        </p:nvSpPr>
-        <p:spPr/>
-        <p:txBody>
-          <a:bodyPr/>
-          <a:lstStyle/>
-          <a:p>
-            <a:r>
-              <a:rPr lang="en-US" smtClean="0"/>
-              <a:t>Visualisation de capture réseau</a:t>
-            </a:r>
-            <a:endParaRPr lang="en-US" dirty="0"/>
-          </a:p>
-        </p:txBody>
-      </p:sp>
-      <p:sp>
-        <p:nvSpPr>
-          <p:cNvPr id="5" name="Espace réservé du numéro de diapositive 4"/>
+          <p:cNvPr id="4" name="Espace réservé du numéro de diapositive 3"/>
           <p:cNvSpPr>
             <a:spLocks noGrp="1"/>
           </p:cNvSpPr>
@@ -7345,16 +7279,84 @@
           </a:p>
         </p:txBody>
       </p:sp>
+      <p:sp>
+        <p:nvSpPr>
+          <p:cNvPr id="5" name="Espace réservé du pied de page 4"/>
+          <p:cNvSpPr>
+            <a:spLocks noGrp="1"/>
+          </p:cNvSpPr>
+          <p:nvPr>
+            <p:ph type="ftr" sz="quarter" idx="11"/>
+          </p:nvPr>
+        </p:nvSpPr>
+        <p:spPr/>
+        <p:txBody>
+          <a:bodyPr/>
+          <a:lstStyle/>
+          <a:p>
+            <a:r>
+              <a:rPr lang="en-US" dirty="0" err="1" smtClean="0"/>
+              <a:t>Visualisation</a:t>
+            </a:r>
+            <a:r>
+              <a:rPr lang="en-US" dirty="0" smtClean="0"/>
+              <a:t> de capture </a:t>
+            </a:r>
+            <a:r>
+              <a:rPr lang="en-US" dirty="0" err="1" smtClean="0"/>
+              <a:t>réseau</a:t>
+            </a:r>
+            <a:endParaRPr lang="en-US" dirty="0"/>
+          </a:p>
+        </p:txBody>
+      </p:sp>
+      <p:pic>
+        <p:nvPicPr>
+          <p:cNvPr id="3" name="Image 2"/>
+          <p:cNvPicPr>
+            <a:picLocks noChangeAspect="1"/>
+          </p:cNvPicPr>
+          <p:nvPr/>
+        </p:nvPicPr>
+        <p:blipFill>
+          <a:blip r:embed="rId2">
+            <a:extLst>
+              <a:ext uri="{28A0092B-C50C-407E-A947-70E740481C1C}">
+                <a14:useLocalDpi xmlns:a14="http://schemas.microsoft.com/office/drawing/2010/main" val="0"/>
+              </a:ext>
+            </a:extLst>
+          </a:blip>
+          <a:stretch>
+            <a:fillRect/>
+          </a:stretch>
+        </p:blipFill>
+        <p:spPr>
+          <a:xfrm>
+            <a:off x="3513807" y="2186423"/>
+            <a:ext cx="5959720" cy="3473804"/>
+          </a:xfrm>
+          <a:prstGeom prst="rect">
+            <a:avLst/>
+          </a:prstGeom>
+        </p:spPr>
+      </p:pic>
     </p:spTree>
     <p:extLst>
       <p:ext uri="{BB962C8B-B14F-4D97-AF65-F5344CB8AC3E}">
-        <p14:creationId xmlns:p14="http://schemas.microsoft.com/office/powerpoint/2010/main" val="1018623221"/>
+        <p14:creationId xmlns:p14="http://schemas.microsoft.com/office/powerpoint/2010/main" val="481696654"/>
       </p:ext>
     </p:extLst>
   </p:cSld>
   <p:clrMapOvr>
     <a:masterClrMapping/>
   </p:clrMapOvr>
+  <p:timing>
+    <p:tnLst>
+      <p:par>
+        <p:cTn id="1" dur="indefinite" restart="never" nodeType="tmRoot"/>
+      </p:par>
+    </p:tnLst>
+  </p:timing>
 </p:sld>
 </file>
 
@@ -7391,49 +7393,13 @@
           <a:lstStyle/>
           <a:p>
             <a:r>
+              <a:rPr lang="fr-FR" dirty="0"/>
+              <a:t>Etat de l’art -</a:t>
+            </a:r>
+            <a:r>
               <a:rPr lang="fr-FR" dirty="0" smtClean="0"/>
-              <a:t>Etat de l’art - Visualisation</a:t>
-            </a:r>
-            <a:endParaRPr lang="fr-FR" dirty="0"/>
-          </a:p>
-        </p:txBody>
-      </p:sp>
-      <p:sp>
-        <p:nvSpPr>
-          <p:cNvPr id="3" name="Espace réservé du contenu 2"/>
-          <p:cNvSpPr>
-            <a:spLocks noGrp="1"/>
-          </p:cNvSpPr>
-          <p:nvPr>
-            <p:ph idx="1"/>
-          </p:nvPr>
-        </p:nvSpPr>
-        <p:spPr>
-          <a:xfrm>
-            <a:off x="1484310" y="975361"/>
-            <a:ext cx="10018713" cy="4815840"/>
-          </a:xfrm>
-        </p:spPr>
-        <p:txBody>
-          <a:bodyPr/>
-          <a:lstStyle/>
-          <a:p>
-            <a:r>
-              <a:rPr lang="fr-FR" dirty="0" smtClean="0"/>
-              <a:t>Diagramme de chaleur</a:t>
-            </a:r>
-          </a:p>
-          <a:p>
-            <a:pPr marL="0" indent="0">
-              <a:buNone/>
-            </a:pPr>
-            <a:r>
-              <a:rPr lang="fr-FR" dirty="0" smtClean="0"/>
-              <a:t> </a:t>
-            </a:r>
-          </a:p>
-          <a:p>
-            <a:pPr lvl="1"/>
+              <a:t> Visualisation</a:t>
+            </a:r>
             <a:endParaRPr lang="fr-FR" dirty="0"/>
           </a:p>
         </p:txBody>
@@ -7485,16 +7451,114 @@
           </a:p>
         </p:txBody>
       </p:sp>
+      <p:pic>
+        <p:nvPicPr>
+          <p:cNvPr id="8" name="Espace réservé du contenu 7"/>
+          <p:cNvPicPr>
+            <a:picLocks noGrp="1" noChangeAspect="1"/>
+          </p:cNvPicPr>
+          <p:nvPr>
+            <p:ph idx="1"/>
+          </p:nvPr>
+        </p:nvPicPr>
+        <p:blipFill rotWithShape="1">
+          <a:blip r:embed="rId2">
+            <a:extLst>
+              <a:ext uri="{28A0092B-C50C-407E-A947-70E740481C1C}">
+                <a14:useLocalDpi xmlns:a14="http://schemas.microsoft.com/office/drawing/2010/main" val="0"/>
+              </a:ext>
+            </a:extLst>
+          </a:blip>
+          <a:srcRect r="432" b="800"/>
+          <a:stretch/>
+        </p:blipFill>
+        <p:spPr>
+          <a:xfrm>
+            <a:off x="6777264" y="2611241"/>
+            <a:ext cx="4174592" cy="3099192"/>
+          </a:xfrm>
+        </p:spPr>
+      </p:pic>
+      <p:sp>
+        <p:nvSpPr>
+          <p:cNvPr id="10" name="ZoneTexte 9"/>
+          <p:cNvSpPr txBox="1"/>
+          <p:nvPr/>
+        </p:nvSpPr>
+        <p:spPr>
+          <a:xfrm>
+            <a:off x="2641600" y="2973236"/>
+            <a:ext cx="4117531" cy="2031325"/>
+          </a:xfrm>
+          <a:prstGeom prst="rect">
+            <a:avLst/>
+          </a:prstGeom>
+          <a:noFill/>
+        </p:spPr>
+        <p:txBody>
+          <a:bodyPr wrap="square" rtlCol="0">
+            <a:spAutoFit/>
+          </a:bodyPr>
+          <a:lstStyle/>
+          <a:p>
+            <a:r>
+              <a:rPr lang="fr-FR" dirty="0" smtClean="0"/>
+              <a:t>Graphe de réseau</a:t>
+            </a:r>
+          </a:p>
+          <a:p>
+            <a:pPr marL="285750" indent="-285750">
+              <a:buFontTx/>
+              <a:buChar char="-"/>
+            </a:pPr>
+            <a:endParaRPr lang="fr-FR" dirty="0"/>
+          </a:p>
+          <a:p>
+            <a:pPr marL="285750" indent="-285750">
+              <a:buFontTx/>
+              <a:buChar char="-"/>
+            </a:pPr>
+            <a:r>
+              <a:rPr lang="fr-FR" dirty="0" smtClean="0"/>
+              <a:t>Représentation des nœuds et des communications échangées</a:t>
+            </a:r>
+          </a:p>
+          <a:p>
+            <a:pPr marL="285750" indent="-285750">
+              <a:buFontTx/>
+              <a:buChar char="-"/>
+            </a:pPr>
+            <a:endParaRPr lang="fr-FR" dirty="0"/>
+          </a:p>
+          <a:p>
+            <a:pPr marL="285750" indent="-285750">
+              <a:buFontTx/>
+              <a:buChar char="-"/>
+            </a:pPr>
+            <a:r>
+              <a:rPr lang="fr-FR" dirty="0" smtClean="0"/>
+              <a:t>Semble particulièrement approprié dans le cas d’analyse de trafic</a:t>
+            </a:r>
+          </a:p>
+        </p:txBody>
+      </p:sp>
     </p:spTree>
     <p:extLst>
       <p:ext uri="{BB962C8B-B14F-4D97-AF65-F5344CB8AC3E}">
-        <p14:creationId xmlns:p14="http://schemas.microsoft.com/office/powerpoint/2010/main" val="2514642385"/>
+        <p14:creationId xmlns:p14="http://schemas.microsoft.com/office/powerpoint/2010/main" val="441361842"/>
       </p:ext>
     </p:extLst>
   </p:cSld>
   <p:clrMapOvr>
     <a:masterClrMapping/>
   </p:clrMapOvr>
+  <p:timing>
+    <p:tnLst>
+      <p:par>
+        <p:cTn id="1" dur="indefinite" restart="never" nodeType="tmRoot"/>
+      </p:par>
+    </p:tnLst>
+  </p:timing>
 </p:sld>
 </file>
 
@@ -7531,58 +7595,46 @@
           <a:lstStyle/>
           <a:p>
             <a:r>
+              <a:rPr lang="fr-FR" dirty="0"/>
+              <a:t>Etat de l’art -</a:t>
+            </a:r>
+            <a:r>
               <a:rPr lang="fr-FR" dirty="0" smtClean="0"/>
-              <a:t>Etat de l’art - Visualisation</a:t>
+              <a:t> Visualisation</a:t>
             </a:r>
             <a:endParaRPr lang="fr-FR" dirty="0"/>
           </a:p>
         </p:txBody>
       </p:sp>
-      <p:sp>
-        <p:nvSpPr>
-          <p:cNvPr id="3" name="Espace réservé du contenu 2"/>
-          <p:cNvSpPr>
-            <a:spLocks noGrp="1"/>
-          </p:cNvSpPr>
+      <p:pic>
+        <p:nvPicPr>
+          <p:cNvPr id="6" name="Espace réservé du contenu 5"/>
+          <p:cNvPicPr>
+            <a:picLocks noGrp="1" noChangeAspect="1"/>
+          </p:cNvPicPr>
           <p:nvPr>
             <p:ph idx="1"/>
           </p:nvPr>
-        </p:nvSpPr>
+        </p:nvPicPr>
+        <p:blipFill>
+          <a:blip r:embed="rId2">
+            <a:extLst>
+              <a:ext uri="{28A0092B-C50C-407E-A947-70E740481C1C}">
+                <a14:useLocalDpi xmlns:a14="http://schemas.microsoft.com/office/drawing/2010/main" val="0"/>
+              </a:ext>
+            </a:extLst>
+          </a:blip>
+          <a:stretch>
+            <a:fillRect/>
+          </a:stretch>
+        </p:blipFill>
         <p:spPr>
           <a:xfrm>
-            <a:off x="1484310" y="975361"/>
-            <a:ext cx="10018713" cy="4815840"/>
+            <a:off x="7573439" y="2438399"/>
+            <a:ext cx="3378417" cy="3124200"/>
           </a:xfrm>
         </p:spPr>
-        <p:txBody>
-          <a:bodyPr/>
-          <a:lstStyle/>
-          <a:p>
-            <a:r>
-              <a:rPr lang="fr-FR" dirty="0" smtClean="0"/>
-              <a:t>Visualisation </a:t>
-            </a:r>
-            <a:r>
-              <a:rPr lang="fr-FR" dirty="0" err="1" smtClean="0"/>
-              <a:t>parallele</a:t>
-            </a:r>
-            <a:endParaRPr lang="fr-FR" dirty="0" smtClean="0"/>
-          </a:p>
-          <a:p>
-            <a:pPr marL="0" indent="0">
-              <a:buNone/>
-            </a:pPr>
-            <a:r>
-              <a:rPr lang="fr-FR" dirty="0" smtClean="0"/>
-              <a:t> </a:t>
-            </a:r>
-          </a:p>
-          <a:p>
-            <a:pPr lvl="1"/>
-            <a:endParaRPr lang="fr-FR" dirty="0"/>
-          </a:p>
-        </p:txBody>
-      </p:sp>
+      </p:pic>
       <p:sp>
         <p:nvSpPr>
           <p:cNvPr id="4" name="Espace réservé du pied de page 3"/>
@@ -7630,16 +7682,83 @@
           </a:p>
         </p:txBody>
       </p:sp>
+      <p:sp>
+        <p:nvSpPr>
+          <p:cNvPr id="7" name="ZoneTexte 6"/>
+          <p:cNvSpPr txBox="1"/>
+          <p:nvPr/>
+        </p:nvSpPr>
+        <p:spPr>
+          <a:xfrm>
+            <a:off x="2572279" y="2798396"/>
+            <a:ext cx="5001160" cy="1754326"/>
+          </a:xfrm>
+          <a:prstGeom prst="rect">
+            <a:avLst/>
+          </a:prstGeom>
+          <a:noFill/>
+        </p:spPr>
+        <p:txBody>
+          <a:bodyPr wrap="square" rtlCol="0">
+            <a:spAutoFit/>
+          </a:bodyPr>
+          <a:lstStyle/>
+          <a:p>
+            <a:r>
+              <a:rPr lang="fr-FR" dirty="0" smtClean="0"/>
+              <a:t>Vue circulaire</a:t>
+            </a:r>
+          </a:p>
+          <a:p>
+            <a:endParaRPr lang="fr-FR" dirty="0"/>
+          </a:p>
+          <a:p>
+            <a:pPr marL="285750" indent="-285750">
+              <a:buFontTx/>
+              <a:buChar char="-"/>
+            </a:pPr>
+            <a:r>
+              <a:rPr lang="fr-FR" dirty="0" smtClean="0"/>
+              <a:t>Délimite une zone interne et une zone externe</a:t>
+            </a:r>
+          </a:p>
+          <a:p>
+            <a:pPr marL="285750" indent="-285750">
+              <a:buFontTx/>
+              <a:buChar char="-"/>
+            </a:pPr>
+            <a:endParaRPr lang="fr-FR" dirty="0"/>
+          </a:p>
+          <a:p>
+            <a:pPr marL="285750" indent="-285750">
+              <a:buFontTx/>
+              <a:buChar char="-"/>
+            </a:pPr>
+            <a:r>
+              <a:rPr lang="fr-FR" dirty="0" smtClean="0"/>
+              <a:t>Pourrait être intéressant pour délimiter réseau local et zone extérieure</a:t>
+            </a:r>
+            <a:endParaRPr lang="fr-FR" dirty="0"/>
+          </a:p>
+        </p:txBody>
+      </p:sp>
     </p:spTree>
     <p:extLst>
       <p:ext uri="{BB962C8B-B14F-4D97-AF65-F5344CB8AC3E}">
-        <p14:creationId xmlns:p14="http://schemas.microsoft.com/office/powerpoint/2010/main" val="1182728431"/>
+        <p14:creationId xmlns:p14="http://schemas.microsoft.com/office/powerpoint/2010/main" val="1920993774"/>
       </p:ext>
     </p:extLst>
   </p:cSld>
   <p:clrMapOvr>
     <a:masterClrMapping/>
   </p:clrMapOvr>
+  <p:timing>
+    <p:tnLst>
+      <p:par>
+        <p:cTn id="1" dur="indefinite" restart="never" nodeType="tmRoot"/>
+      </p:par>
+    </p:tnLst>
+  </p:timing>
 </p:sld>
 </file>
 
@@ -7676,54 +7795,13 @@
           <a:lstStyle/>
           <a:p>
             <a:r>
+              <a:rPr lang="fr-FR" dirty="0"/>
+              <a:t>Etat de l’art -</a:t>
+            </a:r>
+            <a:r>
               <a:rPr lang="fr-FR" dirty="0" smtClean="0"/>
-              <a:t>Etat de l’art - Visualisation</a:t>
-            </a:r>
-            <a:endParaRPr lang="fr-FR" dirty="0"/>
-          </a:p>
-        </p:txBody>
-      </p:sp>
-      <p:sp>
-        <p:nvSpPr>
-          <p:cNvPr id="3" name="Espace réservé du contenu 2"/>
-          <p:cNvSpPr>
-            <a:spLocks noGrp="1"/>
-          </p:cNvSpPr>
-          <p:nvPr>
-            <p:ph idx="1"/>
-          </p:nvPr>
-        </p:nvSpPr>
-        <p:spPr>
-          <a:xfrm>
-            <a:off x="1484310" y="975361"/>
-            <a:ext cx="10018713" cy="4815840"/>
-          </a:xfrm>
-        </p:spPr>
-        <p:txBody>
-          <a:bodyPr/>
-          <a:lstStyle/>
-          <a:p>
-            <a:r>
-              <a:rPr lang="fr-FR" dirty="0" smtClean="0"/>
-              <a:t>Visualisation </a:t>
-            </a:r>
-            <a:r>
-              <a:rPr lang="fr-FR" dirty="0" err="1" smtClean="0"/>
-              <a:t>parallele</a:t>
-            </a:r>
-            <a:endParaRPr lang="fr-FR" dirty="0" smtClean="0"/>
-          </a:p>
-          <a:p>
-            <a:pPr marL="0" indent="0">
-              <a:buNone/>
-            </a:pPr>
-            <a:r>
-              <a:rPr lang="fr-FR" dirty="0" smtClean="0"/>
-              <a:t> </a:t>
-            </a:r>
-          </a:p>
-          <a:p>
-            <a:pPr lvl="1"/>
+              <a:t> Visualisation</a:t>
+            </a:r>
             <a:endParaRPr lang="fr-FR" dirty="0"/>
           </a:p>
         </p:txBody>
@@ -7775,16 +7853,144 @@
           </a:p>
         </p:txBody>
       </p:sp>
+      <p:pic>
+        <p:nvPicPr>
+          <p:cNvPr id="8" name="Espace réservé du contenu 7"/>
+          <p:cNvPicPr>
+            <a:picLocks noGrp="1" noChangeAspect="1"/>
+          </p:cNvPicPr>
+          <p:nvPr>
+            <p:ph idx="1"/>
+          </p:nvPr>
+        </p:nvPicPr>
+        <p:blipFill>
+          <a:blip r:embed="rId2">
+            <a:extLst>
+              <a:ext uri="{28A0092B-C50C-407E-A947-70E740481C1C}">
+                <a14:useLocalDpi xmlns:a14="http://schemas.microsoft.com/office/drawing/2010/main" val="0"/>
+              </a:ext>
+            </a:extLst>
+          </a:blip>
+          <a:stretch>
+            <a:fillRect/>
+          </a:stretch>
+        </p:blipFill>
+        <p:spPr>
+          <a:xfrm>
+            <a:off x="5555972" y="2438399"/>
+            <a:ext cx="5670549" cy="3124200"/>
+          </a:xfrm>
+        </p:spPr>
+      </p:pic>
+      <p:sp>
+        <p:nvSpPr>
+          <p:cNvPr id="9" name="ZoneTexte 8"/>
+          <p:cNvSpPr txBox="1"/>
+          <p:nvPr/>
+        </p:nvSpPr>
+        <p:spPr>
+          <a:xfrm>
+            <a:off x="2336034" y="3538834"/>
+            <a:ext cx="3219938" cy="1477328"/>
+          </a:xfrm>
+          <a:prstGeom prst="rect">
+            <a:avLst/>
+          </a:prstGeom>
+          <a:noFill/>
+        </p:spPr>
+        <p:txBody>
+          <a:bodyPr wrap="square" rtlCol="0">
+            <a:spAutoFit/>
+          </a:bodyPr>
+          <a:lstStyle/>
+          <a:p>
+            <a:r>
+              <a:rPr lang="fr-FR" dirty="0" smtClean="0"/>
+              <a:t>Vue parallèle</a:t>
+            </a:r>
+          </a:p>
+          <a:p>
+            <a:pPr marL="285750" indent="-285750">
+              <a:buFontTx/>
+              <a:buChar char="-"/>
+            </a:pPr>
+            <a:endParaRPr lang="fr-FR" dirty="0"/>
+          </a:p>
+          <a:p>
+            <a:pPr marL="285750" indent="-285750">
+              <a:buFontTx/>
+              <a:buChar char="-"/>
+            </a:pPr>
+            <a:r>
+              <a:rPr lang="fr-FR" dirty="0" smtClean="0"/>
+              <a:t>Particulièrement intéressant</a:t>
+            </a:r>
+          </a:p>
+          <a:p>
+            <a:pPr marL="285750" indent="-285750">
+              <a:buFontTx/>
+              <a:buChar char="-"/>
+            </a:pPr>
+            <a:endParaRPr lang="fr-FR" dirty="0"/>
+          </a:p>
+          <a:p>
+            <a:pPr marL="285750" indent="-285750">
+              <a:buFontTx/>
+              <a:buChar char="-"/>
+            </a:pPr>
+            <a:r>
+              <a:rPr lang="fr-FR" dirty="0" err="1"/>
+              <a:t>s</a:t>
+            </a:r>
+            <a:r>
+              <a:rPr lang="fr-FR" dirty="0" err="1" smtClean="0"/>
+              <a:t>rc</a:t>
+            </a:r>
+            <a:r>
+              <a:rPr lang="fr-FR" dirty="0" smtClean="0"/>
+              <a:t> | port </a:t>
+            </a:r>
+            <a:r>
+              <a:rPr lang="fr-FR" dirty="0" err="1" smtClean="0"/>
+              <a:t>src</a:t>
+            </a:r>
+            <a:r>
+              <a:rPr lang="fr-FR" dirty="0" smtClean="0"/>
+              <a:t> | port </a:t>
+            </a:r>
+            <a:r>
+              <a:rPr lang="fr-FR" dirty="0" err="1" smtClean="0"/>
+              <a:t>dest</a:t>
+            </a:r>
+            <a:r>
+              <a:rPr lang="fr-FR" dirty="0" smtClean="0"/>
+              <a:t> | </a:t>
+            </a:r>
+            <a:r>
+              <a:rPr lang="fr-FR" dirty="0" err="1" smtClean="0"/>
+              <a:t>dest</a:t>
+            </a:r>
+            <a:endParaRPr lang="fr-FR" dirty="0" smtClean="0"/>
+          </a:p>
+        </p:txBody>
+      </p:sp>
     </p:spTree>
     <p:extLst>
       <p:ext uri="{BB962C8B-B14F-4D97-AF65-F5344CB8AC3E}">
-        <p14:creationId xmlns:p14="http://schemas.microsoft.com/office/powerpoint/2010/main" val="2028734869"/>
+        <p14:creationId xmlns:p14="http://schemas.microsoft.com/office/powerpoint/2010/main" val="2218620692"/>
       </p:ext>
     </p:extLst>
   </p:cSld>
   <p:clrMapOvr>
     <a:masterClrMapping/>
   </p:clrMapOvr>
+  <p:timing>
+    <p:tnLst>
+      <p:par>
+        <p:cTn id="1" dur="indefinite" restart="never" nodeType="tmRoot"/>
+      </p:par>
+    </p:tnLst>
+  </p:timing>
 </p:sld>
 </file>
 
@@ -7821,105 +8027,45 @@
           <a:lstStyle/>
           <a:p>
             <a:r>
+              <a:rPr lang="fr-FR" dirty="0"/>
+              <a:t>Etat de l’art -</a:t>
+            </a:r>
+            <a:r>
               <a:rPr lang="fr-FR" dirty="0" smtClean="0"/>
-              <a:t>Solutions retenues</a:t>
+              <a:t> Visualisation</a:t>
             </a:r>
             <a:endParaRPr lang="fr-FR" dirty="0"/>
           </a:p>
         </p:txBody>
       </p:sp>
-      <p:sp>
-        <p:nvSpPr>
-          <p:cNvPr id="3" name="Espace réservé du contenu 2"/>
-          <p:cNvSpPr>
-            <a:spLocks noGrp="1"/>
-          </p:cNvSpPr>
+      <p:pic>
+        <p:nvPicPr>
+          <p:cNvPr id="6" name="Espace réservé du contenu 5"/>
+          <p:cNvPicPr>
+            <a:picLocks noGrp="1" noChangeAspect="1"/>
+          </p:cNvPicPr>
           <p:nvPr>
             <p:ph idx="1"/>
           </p:nvPr>
-        </p:nvSpPr>
-        <p:spPr/>
-        <p:txBody>
-          <a:bodyPr/>
-          <a:lstStyle/>
-          <a:p>
-            <a:r>
-              <a:rPr lang="fr-FR" dirty="0" smtClean="0"/>
-              <a:t>Analyse hors-ligne d’une fichier .</a:t>
-            </a:r>
-            <a:r>
-              <a:rPr lang="fr-FR" dirty="0" err="1" smtClean="0"/>
-              <a:t>pcap</a:t>
-            </a:r>
-            <a:endParaRPr lang="fr-FR" dirty="0" smtClean="0"/>
-          </a:p>
-          <a:p>
-            <a:r>
-              <a:rPr lang="fr-FR" dirty="0" smtClean="0"/>
-              <a:t>Dissection des paquets grâce à </a:t>
-            </a:r>
-            <a:r>
-              <a:rPr lang="fr-FR" dirty="0" err="1" smtClean="0"/>
-              <a:t>Scapy</a:t>
-            </a:r>
-            <a:r>
-              <a:rPr lang="fr-FR" dirty="0" smtClean="0"/>
-              <a:t>, </a:t>
-            </a:r>
-            <a:r>
-              <a:rPr lang="fr-FR" dirty="0" err="1" smtClean="0"/>
-              <a:t>ettercap</a:t>
-            </a:r>
-            <a:r>
-              <a:rPr lang="fr-FR" dirty="0" smtClean="0"/>
-              <a:t>, </a:t>
-            </a:r>
-            <a:r>
-              <a:rPr lang="fr-FR" dirty="0" err="1" smtClean="0"/>
-              <a:t>ChaosReader</a:t>
-            </a:r>
-            <a:r>
-              <a:rPr lang="fr-FR" dirty="0"/>
-              <a:t> </a:t>
-            </a:r>
-            <a:r>
-              <a:rPr lang="fr-FR" dirty="0" smtClean="0"/>
-              <a:t>et </a:t>
-            </a:r>
-            <a:r>
-              <a:rPr lang="fr-FR" dirty="0" err="1" smtClean="0"/>
-              <a:t>dsniff</a:t>
-            </a:r>
-            <a:endParaRPr lang="fr-FR" dirty="0" smtClean="0"/>
-          </a:p>
-          <a:p>
-            <a:r>
-              <a:rPr lang="fr-FR" dirty="0" smtClean="0"/>
-              <a:t>Interface graphique : </a:t>
-            </a:r>
-            <a:r>
-              <a:rPr lang="fr-FR" dirty="0" err="1" smtClean="0"/>
-              <a:t>PyQt</a:t>
-            </a:r>
-            <a:r>
-              <a:rPr lang="fr-FR" dirty="0"/>
-              <a:t> </a:t>
-            </a:r>
-            <a:r>
-              <a:rPr lang="fr-FR" dirty="0" smtClean="0"/>
-              <a:t>(</a:t>
-            </a:r>
-            <a:r>
-              <a:rPr lang="fr-FR" dirty="0" err="1" smtClean="0"/>
-              <a:t>Multi-plateforme</a:t>
-            </a:r>
-            <a:r>
-              <a:rPr lang="fr-FR" dirty="0" smtClean="0"/>
-              <a:t> et maitrisé)</a:t>
-            </a:r>
-          </a:p>
-        </p:txBody>
-      </p:sp>
+        </p:nvPicPr>
+        <p:blipFill rotWithShape="1">
+          <a:blip r:embed="rId2">
+            <a:extLst>
+              <a:ext uri="{28A0092B-C50C-407E-A947-70E740481C1C}">
+                <a14:useLocalDpi xmlns:a14="http://schemas.microsoft.com/office/drawing/2010/main" val="0"/>
+              </a:ext>
+            </a:extLst>
+          </a:blip>
+          <a:srcRect r="47215"/>
+          <a:stretch/>
+        </p:blipFill>
+        <p:spPr>
+          <a:xfrm>
+            <a:off x="6722074" y="2438399"/>
+            <a:ext cx="2934382" cy="3124200"/>
+          </a:xfrm>
+        </p:spPr>
+      </p:pic>
       <p:sp>
         <p:nvSpPr>
           <p:cNvPr id="4" name="Espace réservé du pied de page 3"/>
@@ -7967,16 +8113,91 @@
           </a:p>
         </p:txBody>
       </p:sp>
+      <p:sp>
+        <p:nvSpPr>
+          <p:cNvPr id="7" name="ZoneTexte 6"/>
+          <p:cNvSpPr txBox="1"/>
+          <p:nvPr/>
+        </p:nvSpPr>
+        <p:spPr>
+          <a:xfrm>
+            <a:off x="2572279" y="3261835"/>
+            <a:ext cx="4141136" cy="1477328"/>
+          </a:xfrm>
+          <a:prstGeom prst="rect">
+            <a:avLst/>
+          </a:prstGeom>
+          <a:noFill/>
+        </p:spPr>
+        <p:txBody>
+          <a:bodyPr wrap="square" rtlCol="0">
+            <a:spAutoFit/>
+          </a:bodyPr>
+          <a:lstStyle/>
+          <a:p>
+            <a:pPr marL="285750" indent="-285750">
+              <a:buFontTx/>
+              <a:buChar char="-"/>
+            </a:pPr>
+            <a:r>
+              <a:rPr lang="fr-FR" dirty="0" smtClean="0"/>
+              <a:t>Carte proportionnelle</a:t>
+            </a:r>
+          </a:p>
+          <a:p>
+            <a:pPr marL="285750" indent="-285750">
+              <a:buFontTx/>
+              <a:buChar char="-"/>
+            </a:pPr>
+            <a:endParaRPr lang="fr-FR" dirty="0"/>
+          </a:p>
+          <a:p>
+            <a:pPr marL="285750" indent="-285750">
+              <a:buFontTx/>
+              <a:buChar char="-"/>
+            </a:pPr>
+            <a:r>
+              <a:rPr lang="fr-FR" dirty="0" smtClean="0"/>
+              <a:t>Un grand carré =&gt; une machine</a:t>
+            </a:r>
+          </a:p>
+          <a:p>
+            <a:pPr marL="285750" indent="-285750">
+              <a:buFontTx/>
+              <a:buChar char="-"/>
+            </a:pPr>
+            <a:endParaRPr lang="fr-FR" dirty="0"/>
+          </a:p>
+          <a:p>
+            <a:pPr marL="285750" indent="-285750">
+              <a:buFontTx/>
+              <a:buChar char="-"/>
+            </a:pPr>
+            <a:r>
+              <a:rPr lang="fr-FR" dirty="0" smtClean="0"/>
+              <a:t>Un petit carré =&gt; un protocole</a:t>
+            </a:r>
+            <a:endParaRPr lang="fr-FR" dirty="0"/>
+          </a:p>
+        </p:txBody>
+      </p:sp>
     </p:spTree>
     <p:extLst>
       <p:ext uri="{BB962C8B-B14F-4D97-AF65-F5344CB8AC3E}">
-        <p14:creationId xmlns:p14="http://schemas.microsoft.com/office/powerpoint/2010/main" val="3954845516"/>
+        <p14:creationId xmlns:p14="http://schemas.microsoft.com/office/powerpoint/2010/main" val="3312510065"/>
       </p:ext>
     </p:extLst>
   </p:cSld>
   <p:clrMapOvr>
     <a:masterClrMapping/>
   </p:clrMapOvr>
+  <p:timing>
+    <p:tnLst>
+      <p:par>
+        <p:cTn id="1" dur="indefinite" restart="never" nodeType="tmRoot"/>
+      </p:par>
+    </p:tnLst>
+  </p:timing>
 </p:sld>
 </file>
 
@@ -8007,6 +8228,384 @@
             <p:ph type="title"/>
           </p:nvPr>
         </p:nvSpPr>
+        <p:spPr/>
+        <p:txBody>
+          <a:bodyPr/>
+          <a:lstStyle/>
+          <a:p>
+            <a:r>
+              <a:rPr lang="fr-FR" dirty="0"/>
+              <a:t>Etat de l’art -</a:t>
+            </a:r>
+            <a:r>
+              <a:rPr lang="fr-FR" dirty="0" smtClean="0"/>
+              <a:t> Visualisation</a:t>
+            </a:r>
+            <a:endParaRPr lang="fr-FR" dirty="0"/>
+          </a:p>
+        </p:txBody>
+      </p:sp>
+      <p:pic>
+        <p:nvPicPr>
+          <p:cNvPr id="6" name="Espace réservé du contenu 5"/>
+          <p:cNvPicPr>
+            <a:picLocks noGrp="1" noChangeAspect="1"/>
+          </p:cNvPicPr>
+          <p:nvPr>
+            <p:ph idx="1"/>
+          </p:nvPr>
+        </p:nvPicPr>
+        <p:blipFill>
+          <a:blip r:embed="rId2">
+            <a:extLst>
+              <a:ext uri="{28A0092B-C50C-407E-A947-70E740481C1C}">
+                <a14:useLocalDpi xmlns:a14="http://schemas.microsoft.com/office/drawing/2010/main" val="0"/>
+              </a:ext>
+            </a:extLst>
+          </a:blip>
+          <a:stretch>
+            <a:fillRect/>
+          </a:stretch>
+        </p:blipFill>
+        <p:spPr>
+          <a:xfrm>
+            <a:off x="7141324" y="3208204"/>
+            <a:ext cx="3810532" cy="1905266"/>
+          </a:xfrm>
+        </p:spPr>
+      </p:pic>
+      <p:sp>
+        <p:nvSpPr>
+          <p:cNvPr id="4" name="Espace réservé du pied de page 3"/>
+          <p:cNvSpPr>
+            <a:spLocks noGrp="1"/>
+          </p:cNvSpPr>
+          <p:nvPr>
+            <p:ph type="ftr" sz="quarter" idx="11"/>
+          </p:nvPr>
+        </p:nvSpPr>
+        <p:spPr/>
+        <p:txBody>
+          <a:bodyPr/>
+          <a:lstStyle/>
+          <a:p>
+            <a:r>
+              <a:rPr lang="en-US" smtClean="0"/>
+              <a:t>Visualisation de capture réseau</a:t>
+            </a:r>
+            <a:endParaRPr lang="en-US" dirty="0"/>
+          </a:p>
+        </p:txBody>
+      </p:sp>
+      <p:sp>
+        <p:nvSpPr>
+          <p:cNvPr id="5" name="Espace réservé du numéro de diapositive 4"/>
+          <p:cNvSpPr>
+            <a:spLocks noGrp="1"/>
+          </p:cNvSpPr>
+          <p:nvPr>
+            <p:ph type="sldNum" sz="quarter" idx="12"/>
+          </p:nvPr>
+        </p:nvSpPr>
+        <p:spPr/>
+        <p:txBody>
+          <a:bodyPr/>
+          <a:lstStyle/>
+          <a:p>
+            <a:fld id="{D57F1E4F-1CFF-5643-939E-217C01CDF565}" type="slidenum">
+              <a:rPr lang="en-US" smtClean="0"/>
+              <a:pPr/>
+              <a:t>16</a:t>
+            </a:fld>
+            <a:endParaRPr lang="en-US" dirty="0"/>
+          </a:p>
+        </p:txBody>
+      </p:sp>
+      <p:sp>
+        <p:nvSpPr>
+          <p:cNvPr id="7" name="ZoneTexte 6"/>
+          <p:cNvSpPr txBox="1"/>
+          <p:nvPr/>
+        </p:nvSpPr>
+        <p:spPr>
+          <a:xfrm>
+            <a:off x="2572279" y="3691100"/>
+            <a:ext cx="4445936" cy="923330"/>
+          </a:xfrm>
+          <a:prstGeom prst="rect">
+            <a:avLst/>
+          </a:prstGeom>
+          <a:noFill/>
+        </p:spPr>
+        <p:txBody>
+          <a:bodyPr wrap="square" rtlCol="0">
+            <a:spAutoFit/>
+          </a:bodyPr>
+          <a:lstStyle/>
+          <a:p>
+            <a:r>
+              <a:rPr lang="fr-FR" dirty="0" smtClean="0"/>
+              <a:t>Carte de chaleur</a:t>
+            </a:r>
+          </a:p>
+          <a:p>
+            <a:pPr marL="285750" indent="-285750">
+              <a:buFontTx/>
+              <a:buChar char="-"/>
+            </a:pPr>
+            <a:endParaRPr lang="fr-FR" dirty="0"/>
+          </a:p>
+          <a:p>
+            <a:pPr marL="285750" indent="-285750">
+              <a:buFontTx/>
+              <a:buChar char="-"/>
+            </a:pPr>
+            <a:r>
+              <a:rPr lang="fr-FR" dirty="0" smtClean="0"/>
+              <a:t>Pourrait être superposé à un autre graphe</a:t>
+            </a:r>
+          </a:p>
+        </p:txBody>
+      </p:sp>
+    </p:spTree>
+    <p:extLst>
+      <p:ext uri="{BB962C8B-B14F-4D97-AF65-F5344CB8AC3E}">
+        <p14:creationId xmlns:p14="http://schemas.microsoft.com/office/powerpoint/2010/main" val="1585201294"/>
+      </p:ext>
+    </p:extLst>
+  </p:cSld>
+  <p:clrMapOvr>
+    <a:masterClrMapping/>
+  </p:clrMapOvr>
+  <p:timing>
+    <p:tnLst>
+      <p:par>
+        <p:cTn id="1" dur="indefinite" restart="never" nodeType="tmRoot"/>
+      </p:par>
+    </p:tnLst>
+  </p:timing>
+</p:sld>
+</file>
+
+<file path=ppt/slides/slide17.xml><?xml version="1.0" encoding="utf-8"?>
+<p:sld xmlns:a="http://schemas.openxmlformats.org/drawingml/2006/main" xmlns:r="http://schemas.openxmlformats.org/officeDocument/2006/relationships" xmlns:p="http://schemas.openxmlformats.org/presentationml/2006/main">
+  <p:cSld>
+    <p:spTree>
+      <p:nvGrpSpPr>
+        <p:cNvPr id="1" name=""/>
+        <p:cNvGrpSpPr/>
+        <p:nvPr/>
+      </p:nvGrpSpPr>
+      <p:grpSpPr>
+        <a:xfrm>
+          <a:off x="0" y="0"/>
+          <a:ext cx="0" cy="0"/>
+          <a:chOff x="0" y="0"/>
+          <a:chExt cx="0" cy="0"/>
+        </a:xfrm>
+      </p:grpSpPr>
+      <p:sp>
+        <p:nvSpPr>
+          <p:cNvPr id="2" name="Titre 1"/>
+          <p:cNvSpPr>
+            <a:spLocks noGrp="1"/>
+          </p:cNvSpPr>
+          <p:nvPr>
+            <p:ph type="title"/>
+          </p:nvPr>
+        </p:nvSpPr>
+        <p:spPr/>
+        <p:txBody>
+          <a:bodyPr/>
+          <a:lstStyle/>
+          <a:p>
+            <a:r>
+              <a:rPr lang="fr-FR" dirty="0" smtClean="0"/>
+              <a:t>Solutions retenues</a:t>
+            </a:r>
+            <a:endParaRPr lang="fr-FR" dirty="0"/>
+          </a:p>
+        </p:txBody>
+      </p:sp>
+      <p:sp>
+        <p:nvSpPr>
+          <p:cNvPr id="3" name="Espace réservé du contenu 2"/>
+          <p:cNvSpPr>
+            <a:spLocks noGrp="1"/>
+          </p:cNvSpPr>
+          <p:nvPr>
+            <p:ph idx="1"/>
+          </p:nvPr>
+        </p:nvSpPr>
+        <p:spPr/>
+        <p:txBody>
+          <a:bodyPr/>
+          <a:lstStyle/>
+          <a:p>
+            <a:r>
+              <a:rPr lang="fr-FR" dirty="0" smtClean="0"/>
+              <a:t>Analyse hors-ligne d’une fichier .</a:t>
+            </a:r>
+            <a:r>
+              <a:rPr lang="fr-FR" dirty="0" err="1" smtClean="0"/>
+              <a:t>pcap</a:t>
+            </a:r>
+            <a:endParaRPr lang="fr-FR" dirty="0" smtClean="0"/>
+          </a:p>
+          <a:p>
+            <a:r>
+              <a:rPr lang="fr-FR" dirty="0" smtClean="0"/>
+              <a:t>Dissection des paquets grâce à </a:t>
+            </a:r>
+            <a:r>
+              <a:rPr lang="fr-FR" dirty="0" err="1" smtClean="0"/>
+              <a:t>Scapy</a:t>
+            </a:r>
+            <a:r>
+              <a:rPr lang="fr-FR" dirty="0" smtClean="0"/>
+              <a:t>, </a:t>
+            </a:r>
+            <a:r>
+              <a:rPr lang="fr-FR" dirty="0" err="1" smtClean="0"/>
+              <a:t>ettercap</a:t>
+            </a:r>
+            <a:r>
+              <a:rPr lang="fr-FR" dirty="0" smtClean="0"/>
+              <a:t>, </a:t>
+            </a:r>
+            <a:r>
+              <a:rPr lang="fr-FR" dirty="0" err="1" smtClean="0"/>
+              <a:t>ChaosReader</a:t>
+            </a:r>
+            <a:r>
+              <a:rPr lang="fr-FR" dirty="0"/>
+              <a:t> </a:t>
+            </a:r>
+            <a:r>
+              <a:rPr lang="fr-FR" dirty="0" smtClean="0"/>
+              <a:t>et </a:t>
+            </a:r>
+            <a:r>
+              <a:rPr lang="fr-FR" dirty="0" err="1" smtClean="0"/>
+              <a:t>dsniff</a:t>
+            </a:r>
+            <a:endParaRPr lang="fr-FR" dirty="0" smtClean="0"/>
+          </a:p>
+          <a:p>
+            <a:r>
+              <a:rPr lang="fr-FR" dirty="0" smtClean="0"/>
+              <a:t>Interface graphique : </a:t>
+            </a:r>
+            <a:r>
+              <a:rPr lang="fr-FR" dirty="0" err="1" smtClean="0"/>
+              <a:t>PyQt</a:t>
+            </a:r>
+            <a:r>
+              <a:rPr lang="fr-FR" dirty="0"/>
+              <a:t> </a:t>
+            </a:r>
+            <a:r>
+              <a:rPr lang="fr-FR" dirty="0" smtClean="0"/>
+              <a:t>(</a:t>
+            </a:r>
+            <a:r>
+              <a:rPr lang="fr-FR" dirty="0" err="1" smtClean="0"/>
+              <a:t>Multi-plateforme</a:t>
+            </a:r>
+            <a:r>
+              <a:rPr lang="fr-FR" dirty="0" smtClean="0"/>
+              <a:t> et maitrisé)</a:t>
+            </a:r>
+          </a:p>
+        </p:txBody>
+      </p:sp>
+      <p:sp>
+        <p:nvSpPr>
+          <p:cNvPr id="4" name="Espace réservé du pied de page 3"/>
+          <p:cNvSpPr>
+            <a:spLocks noGrp="1"/>
+          </p:cNvSpPr>
+          <p:nvPr>
+            <p:ph type="ftr" sz="quarter" idx="11"/>
+          </p:nvPr>
+        </p:nvSpPr>
+        <p:spPr/>
+        <p:txBody>
+          <a:bodyPr/>
+          <a:lstStyle/>
+          <a:p>
+            <a:r>
+              <a:rPr lang="en-US" smtClean="0"/>
+              <a:t>Visualisation de capture réseau</a:t>
+            </a:r>
+            <a:endParaRPr lang="en-US" dirty="0"/>
+          </a:p>
+        </p:txBody>
+      </p:sp>
+      <p:sp>
+        <p:nvSpPr>
+          <p:cNvPr id="5" name="Espace réservé du numéro de diapositive 4"/>
+          <p:cNvSpPr>
+            <a:spLocks noGrp="1"/>
+          </p:cNvSpPr>
+          <p:nvPr>
+            <p:ph type="sldNum" sz="quarter" idx="12"/>
+          </p:nvPr>
+        </p:nvSpPr>
+        <p:spPr/>
+        <p:txBody>
+          <a:bodyPr/>
+          <a:lstStyle/>
+          <a:p>
+            <a:fld id="{D57F1E4F-1CFF-5643-939E-217C01CDF565}" type="slidenum">
+              <a:rPr lang="en-US" smtClean="0"/>
+              <a:pPr/>
+              <a:t>17</a:t>
+            </a:fld>
+            <a:endParaRPr lang="en-US" dirty="0"/>
+          </a:p>
+        </p:txBody>
+      </p:sp>
+    </p:spTree>
+    <p:extLst>
+      <p:ext uri="{BB962C8B-B14F-4D97-AF65-F5344CB8AC3E}">
+        <p14:creationId xmlns:p14="http://schemas.microsoft.com/office/powerpoint/2010/main" val="898311075"/>
+      </p:ext>
+    </p:extLst>
+  </p:cSld>
+  <p:clrMapOvr>
+    <a:masterClrMapping/>
+  </p:clrMapOvr>
+</p:sld>
+</file>
+
+<file path=ppt/slides/slide18.xml><?xml version="1.0" encoding="utf-8"?>
+<p:sld xmlns:a="http://schemas.openxmlformats.org/drawingml/2006/main" xmlns:r="http://schemas.openxmlformats.org/officeDocument/2006/relationships" xmlns:p="http://schemas.openxmlformats.org/presentationml/2006/main">
+  <p:cSld>
+    <p:spTree>
+      <p:nvGrpSpPr>
+        <p:cNvPr id="1" name=""/>
+        <p:cNvGrpSpPr/>
+        <p:nvPr/>
+      </p:nvGrpSpPr>
+      <p:grpSpPr>
+        <a:xfrm>
+          <a:off x="0" y="0"/>
+          <a:ext cx="0" cy="0"/>
+          <a:chOff x="0" y="0"/>
+          <a:chExt cx="0" cy="0"/>
+        </a:xfrm>
+      </p:grpSpPr>
+      <p:sp>
+        <p:nvSpPr>
+          <p:cNvPr id="2" name="Titre 1"/>
+          <p:cNvSpPr>
+            <a:spLocks noGrp="1"/>
+          </p:cNvSpPr>
+          <p:nvPr>
+            <p:ph type="title"/>
+          </p:nvPr>
+        </p:nvSpPr>
         <p:spPr>
           <a:xfrm>
             <a:off x="1484312" y="0"/>
@@ -8066,7 +8665,7 @@
             <a:fld id="{D57F1E4F-1CFF-5643-939E-217C01CDF565}" type="slidenum">
               <a:rPr lang="en-US" smtClean="0"/>
               <a:pPr/>
-              <a:t>16</a:t>
+              <a:t>18</a:t>
             </a:fld>
             <a:endParaRPr lang="en-US" dirty="0"/>
           </a:p>
@@ -8114,7 +8713,7 @@
 </p:sld>
 </file>
 
-<file path=ppt/slides/slide17.xml><?xml version="1.0" encoding="utf-8"?>
+<file path=ppt/slides/slide19.xml><?xml version="1.0" encoding="utf-8"?>
 <p:sld xmlns:a="http://schemas.openxmlformats.org/drawingml/2006/main" xmlns:r="http://schemas.openxmlformats.org/officeDocument/2006/relationships" xmlns:p="http://schemas.openxmlformats.org/presentationml/2006/main">
   <p:cSld>
     <p:spTree>
@@ -8228,7 +8827,7 @@
             <a:fld id="{D57F1E4F-1CFF-5643-939E-217C01CDF565}" type="slidenum">
               <a:rPr lang="en-US" smtClean="0"/>
               <a:pPr/>
-              <a:t>17</a:t>
+              <a:t>19</a:t>
             </a:fld>
             <a:endParaRPr lang="en-US" dirty="0"/>
           </a:p>
@@ -8244,342 +8843,6 @@
   <p:clrMapOvr>
     <a:masterClrMapping/>
   </p:clrMapOvr>
-</p:sld>
-</file>
-
-<file path=ppt/slides/slide18.xml><?xml version="1.0" encoding="utf-8"?>
-<p:sld xmlns:a="http://schemas.openxmlformats.org/drawingml/2006/main" xmlns:r="http://schemas.openxmlformats.org/officeDocument/2006/relationships" xmlns:p="http://schemas.openxmlformats.org/presentationml/2006/main">
-  <p:cSld>
-    <p:spTree>
-      <p:nvGrpSpPr>
-        <p:cNvPr id="1" name=""/>
-        <p:cNvGrpSpPr/>
-        <p:nvPr/>
-      </p:nvGrpSpPr>
-      <p:grpSpPr>
-        <a:xfrm>
-          <a:off x="0" y="0"/>
-          <a:ext cx="0" cy="0"/>
-          <a:chOff x="0" y="0"/>
-          <a:chExt cx="0" cy="0"/>
-        </a:xfrm>
-      </p:grpSpPr>
-      <p:sp>
-        <p:nvSpPr>
-          <p:cNvPr id="2" name="Titre 1"/>
-          <p:cNvSpPr>
-            <a:spLocks noGrp="1"/>
-          </p:cNvSpPr>
-          <p:nvPr>
-            <p:ph type="title"/>
-          </p:nvPr>
-        </p:nvSpPr>
-        <p:spPr/>
-        <p:txBody>
-          <a:bodyPr/>
-          <a:lstStyle/>
-          <a:p>
-            <a:r>
-              <a:rPr lang="fr-FR" dirty="0" smtClean="0"/>
-              <a:t>Bibliographie</a:t>
-            </a:r>
-            <a:endParaRPr lang="fr-FR" dirty="0"/>
-          </a:p>
-        </p:txBody>
-      </p:sp>
-      <p:sp>
-        <p:nvSpPr>
-          <p:cNvPr id="3" name="Espace réservé du contenu 2"/>
-          <p:cNvSpPr>
-            <a:spLocks noGrp="1"/>
-          </p:cNvSpPr>
-          <p:nvPr>
-            <p:ph idx="1"/>
-          </p:nvPr>
-        </p:nvSpPr>
-        <p:spPr/>
-        <p:txBody>
-          <a:bodyPr/>
-          <a:lstStyle/>
-          <a:p>
-            <a:r>
-              <a:rPr lang="fr-FR" dirty="0" smtClean="0"/>
-              <a:t>C. Sanders - </a:t>
-            </a:r>
-            <a:r>
-              <a:rPr lang="fr-FR" dirty="0" err="1" smtClean="0"/>
-              <a:t>Practical</a:t>
-            </a:r>
-            <a:r>
-              <a:rPr lang="fr-FR" dirty="0" smtClean="0"/>
-              <a:t> </a:t>
-            </a:r>
-            <a:r>
-              <a:rPr lang="fr-FR" dirty="0" err="1" smtClean="0"/>
-              <a:t>Packet</a:t>
-            </a:r>
-            <a:r>
-              <a:rPr lang="fr-FR" dirty="0" smtClean="0"/>
-              <a:t> </a:t>
-            </a:r>
-            <a:r>
-              <a:rPr lang="fr-FR" dirty="0" err="1" smtClean="0"/>
-              <a:t>Analysis</a:t>
-            </a:r>
-            <a:endParaRPr lang="fr-FR" dirty="0" smtClean="0"/>
-          </a:p>
-          <a:p>
-            <a:r>
-              <a:rPr lang="fr-FR" dirty="0" smtClean="0"/>
-              <a:t>M. </a:t>
-            </a:r>
-            <a:r>
-              <a:rPr lang="fr-FR" dirty="0" err="1" smtClean="0"/>
-              <a:t>Summerfield</a:t>
-            </a:r>
-            <a:r>
-              <a:rPr lang="fr-FR" dirty="0" smtClean="0"/>
-              <a:t> - Rapid GUI </a:t>
-            </a:r>
-            <a:r>
-              <a:rPr lang="fr-FR" dirty="0" err="1" smtClean="0"/>
-              <a:t>Programming</a:t>
-            </a:r>
-            <a:r>
-              <a:rPr lang="fr-FR" dirty="0" smtClean="0"/>
-              <a:t> </a:t>
-            </a:r>
-            <a:r>
-              <a:rPr lang="fr-FR" dirty="0" err="1" smtClean="0"/>
-              <a:t>with</a:t>
-            </a:r>
-            <a:r>
-              <a:rPr lang="fr-FR" dirty="0" smtClean="0"/>
-              <a:t> Python and </a:t>
-            </a:r>
-            <a:r>
-              <a:rPr lang="fr-FR" dirty="0" err="1" smtClean="0"/>
-              <a:t>Qt</a:t>
-            </a:r>
-            <a:endParaRPr lang="fr-FR" dirty="0" smtClean="0"/>
-          </a:p>
-          <a:p>
-            <a:r>
-              <a:rPr lang="fr-FR" dirty="0" smtClean="0"/>
-              <a:t>R. Marty - </a:t>
-            </a:r>
-            <a:r>
-              <a:rPr lang="fr-FR" dirty="0" err="1" smtClean="0"/>
-              <a:t>Applied</a:t>
-            </a:r>
-            <a:r>
-              <a:rPr lang="fr-FR" dirty="0" smtClean="0"/>
-              <a:t> Security </a:t>
-            </a:r>
-            <a:r>
-              <a:rPr lang="fr-FR" dirty="0" err="1" smtClean="0"/>
-              <a:t>Visualization</a:t>
-            </a:r>
-            <a:endParaRPr lang="fr-FR" dirty="0" smtClean="0"/>
-          </a:p>
-          <a:p>
-            <a:r>
-              <a:rPr lang="fr-FR" dirty="0" smtClean="0"/>
-              <a:t>M. </a:t>
-            </a:r>
-            <a:r>
-              <a:rPr lang="fr-FR" dirty="0" err="1" smtClean="0"/>
-              <a:t>Shahrulniza</a:t>
-            </a:r>
-            <a:r>
-              <a:rPr lang="fr-FR" dirty="0" smtClean="0"/>
-              <a:t> - </a:t>
-            </a:r>
-            <a:r>
-              <a:rPr lang="fr-FR" dirty="0" err="1" smtClean="0"/>
-              <a:t>Visualising</a:t>
-            </a:r>
-            <a:r>
-              <a:rPr lang="fr-FR" dirty="0" smtClean="0"/>
-              <a:t> network </a:t>
-            </a:r>
-            <a:r>
-              <a:rPr lang="fr-FR" dirty="0" err="1" smtClean="0"/>
-              <a:t>security</a:t>
-            </a:r>
-            <a:r>
-              <a:rPr lang="fr-FR" dirty="0" smtClean="0"/>
-              <a:t> </a:t>
-            </a:r>
-            <a:r>
-              <a:rPr lang="fr-FR" dirty="0" err="1" smtClean="0"/>
-              <a:t>attacks</a:t>
-            </a:r>
-            <a:r>
-              <a:rPr lang="fr-FR" dirty="0" smtClean="0"/>
-              <a:t> </a:t>
-            </a:r>
-            <a:r>
-              <a:rPr lang="fr-FR" dirty="0" err="1" smtClean="0"/>
-              <a:t>with</a:t>
-            </a:r>
-            <a:r>
-              <a:rPr lang="fr-FR" dirty="0" smtClean="0"/>
-              <a:t> multiple 3D visualisation and false </a:t>
-            </a:r>
-            <a:r>
-              <a:rPr lang="fr-FR" dirty="0" err="1" smtClean="0"/>
-              <a:t>alert</a:t>
-            </a:r>
-            <a:r>
-              <a:rPr lang="fr-FR" dirty="0" smtClean="0"/>
-              <a:t> classification</a:t>
-            </a:r>
-            <a:endParaRPr lang="fr-FR" dirty="0"/>
-          </a:p>
-        </p:txBody>
-      </p:sp>
-      <p:sp>
-        <p:nvSpPr>
-          <p:cNvPr id="4" name="Espace réservé du pied de page 3"/>
-          <p:cNvSpPr>
-            <a:spLocks noGrp="1"/>
-          </p:cNvSpPr>
-          <p:nvPr>
-            <p:ph type="ftr" sz="quarter" idx="11"/>
-          </p:nvPr>
-        </p:nvSpPr>
-        <p:spPr/>
-        <p:txBody>
-          <a:bodyPr/>
-          <a:lstStyle/>
-          <a:p>
-            <a:r>
-              <a:rPr lang="en-US" smtClean="0"/>
-              <a:t>Visualisation de capture réseau</a:t>
-            </a:r>
-            <a:endParaRPr lang="en-US" dirty="0"/>
-          </a:p>
-        </p:txBody>
-      </p:sp>
-      <p:sp>
-        <p:nvSpPr>
-          <p:cNvPr id="5" name="Espace réservé du numéro de diapositive 4"/>
-          <p:cNvSpPr>
-            <a:spLocks noGrp="1"/>
-          </p:cNvSpPr>
-          <p:nvPr>
-            <p:ph type="sldNum" sz="quarter" idx="12"/>
-          </p:nvPr>
-        </p:nvSpPr>
-        <p:spPr/>
-        <p:txBody>
-          <a:bodyPr/>
-          <a:lstStyle/>
-          <a:p>
-            <a:fld id="{D57F1E4F-1CFF-5643-939E-217C01CDF565}" type="slidenum">
-              <a:rPr lang="en-US" smtClean="0"/>
-              <a:pPr/>
-              <a:t>18</a:t>
-            </a:fld>
-            <a:endParaRPr lang="en-US" dirty="0"/>
-          </a:p>
-        </p:txBody>
-      </p:sp>
-    </p:spTree>
-    <p:extLst>
-      <p:ext uri="{BB962C8B-B14F-4D97-AF65-F5344CB8AC3E}">
-        <p14:creationId xmlns:p14="http://schemas.microsoft.com/office/powerpoint/2010/main" val="3866711292"/>
-      </p:ext>
-    </p:extLst>
-  </p:cSld>
-  <p:clrMapOvr>
-    <a:masterClrMapping/>
-  </p:clrMapOvr>
-</p:sld>
-</file>
-
-<file path=ppt/slides/slide19.xml><?xml version="1.0" encoding="utf-8"?>
-<p:sld xmlns:a="http://schemas.openxmlformats.org/drawingml/2006/main" xmlns:r="http://schemas.openxmlformats.org/officeDocument/2006/relationships" xmlns:p="http://schemas.openxmlformats.org/presentationml/2006/main">
-  <p:cSld>
-    <p:spTree>
-      <p:nvGrpSpPr>
-        <p:cNvPr id="1" name=""/>
-        <p:cNvGrpSpPr/>
-        <p:nvPr/>
-      </p:nvGrpSpPr>
-      <p:grpSpPr>
-        <a:xfrm>
-          <a:off x="0" y="0"/>
-          <a:ext cx="0" cy="0"/>
-          <a:chOff x="0" y="0"/>
-          <a:chExt cx="0" cy="0"/>
-        </a:xfrm>
-      </p:grpSpPr>
-      <p:sp>
-        <p:nvSpPr>
-          <p:cNvPr id="2" name="Titre 1"/>
-          <p:cNvSpPr>
-            <a:spLocks noGrp="1"/>
-          </p:cNvSpPr>
-          <p:nvPr>
-            <p:ph type="ctrTitle"/>
-          </p:nvPr>
-        </p:nvSpPr>
-        <p:spPr/>
-        <p:txBody>
-          <a:bodyPr/>
-          <a:lstStyle/>
-          <a:p>
-            <a:r>
-              <a:rPr lang="fr-FR" dirty="0" smtClean="0"/>
-              <a:t>A bientôt !</a:t>
-            </a:r>
-            <a:endParaRPr lang="fr-FR" dirty="0"/>
-          </a:p>
-        </p:txBody>
-      </p:sp>
-      <p:sp>
-        <p:nvSpPr>
-          <p:cNvPr id="4" name="Espace réservé du numéro de diapositive 3"/>
-          <p:cNvSpPr>
-            <a:spLocks noGrp="1"/>
-          </p:cNvSpPr>
-          <p:nvPr>
-            <p:ph type="sldNum" sz="quarter" idx="12"/>
-          </p:nvPr>
-        </p:nvSpPr>
-        <p:spPr/>
-        <p:txBody>
-          <a:bodyPr/>
-          <a:lstStyle/>
-          <a:p>
-            <a:fld id="{D57F1E4F-1CFF-5643-939E-217C01CDF565}" type="slidenum">
-              <a:rPr lang="en-US" smtClean="0"/>
-              <a:pPr/>
-              <a:t>19</a:t>
-            </a:fld>
-            <a:endParaRPr lang="en-US" dirty="0"/>
-          </a:p>
-        </p:txBody>
-      </p:sp>
-    </p:spTree>
-    <p:extLst>
-      <p:ext uri="{BB962C8B-B14F-4D97-AF65-F5344CB8AC3E}">
-        <p14:creationId xmlns:p14="http://schemas.microsoft.com/office/powerpoint/2010/main" val="4275992846"/>
-      </p:ext>
-    </p:extLst>
-  </p:cSld>
-  <p:clrMapOvr>
-    <a:masterClrMapping/>
-  </p:clrMapOvr>
-  <p:timing>
-    <p:tnLst>
-      <p:par>
-        <p:cTn id="1" dur="indefinite" restart="never" nodeType="tmRoot"/>
-      </p:par>
-    </p:tnLst>
-  </p:timing>
 </p:sld>
 </file>
 
@@ -8731,6 +8994,342 @@
     <p:extLst>
       <p:ext uri="{BB962C8B-B14F-4D97-AF65-F5344CB8AC3E}">
         <p14:creationId xmlns:p14="http://schemas.microsoft.com/office/powerpoint/2010/main" val="1760440145"/>
+      </p:ext>
+    </p:extLst>
+  </p:cSld>
+  <p:clrMapOvr>
+    <a:masterClrMapping/>
+  </p:clrMapOvr>
+  <p:timing>
+    <p:tnLst>
+      <p:par>
+        <p:cTn id="1" dur="indefinite" restart="never" nodeType="tmRoot"/>
+      </p:par>
+    </p:tnLst>
+  </p:timing>
+</p:sld>
+</file>
+
+<file path=ppt/slides/slide20.xml><?xml version="1.0" encoding="utf-8"?>
+<p:sld xmlns:a="http://schemas.openxmlformats.org/drawingml/2006/main" xmlns:r="http://schemas.openxmlformats.org/officeDocument/2006/relationships" xmlns:p="http://schemas.openxmlformats.org/presentationml/2006/main">
+  <p:cSld>
+    <p:spTree>
+      <p:nvGrpSpPr>
+        <p:cNvPr id="1" name=""/>
+        <p:cNvGrpSpPr/>
+        <p:nvPr/>
+      </p:nvGrpSpPr>
+      <p:grpSpPr>
+        <a:xfrm>
+          <a:off x="0" y="0"/>
+          <a:ext cx="0" cy="0"/>
+          <a:chOff x="0" y="0"/>
+          <a:chExt cx="0" cy="0"/>
+        </a:xfrm>
+      </p:grpSpPr>
+      <p:sp>
+        <p:nvSpPr>
+          <p:cNvPr id="2" name="Titre 1"/>
+          <p:cNvSpPr>
+            <a:spLocks noGrp="1"/>
+          </p:cNvSpPr>
+          <p:nvPr>
+            <p:ph type="title"/>
+          </p:nvPr>
+        </p:nvSpPr>
+        <p:spPr/>
+        <p:txBody>
+          <a:bodyPr/>
+          <a:lstStyle/>
+          <a:p>
+            <a:r>
+              <a:rPr lang="fr-FR" dirty="0" smtClean="0"/>
+              <a:t>Bibliographie</a:t>
+            </a:r>
+            <a:endParaRPr lang="fr-FR" dirty="0"/>
+          </a:p>
+        </p:txBody>
+      </p:sp>
+      <p:sp>
+        <p:nvSpPr>
+          <p:cNvPr id="3" name="Espace réservé du contenu 2"/>
+          <p:cNvSpPr>
+            <a:spLocks noGrp="1"/>
+          </p:cNvSpPr>
+          <p:nvPr>
+            <p:ph idx="1"/>
+          </p:nvPr>
+        </p:nvSpPr>
+        <p:spPr/>
+        <p:txBody>
+          <a:bodyPr/>
+          <a:lstStyle/>
+          <a:p>
+            <a:r>
+              <a:rPr lang="fr-FR" dirty="0" smtClean="0"/>
+              <a:t>C. Sanders - </a:t>
+            </a:r>
+            <a:r>
+              <a:rPr lang="fr-FR" dirty="0" err="1" smtClean="0"/>
+              <a:t>Practical</a:t>
+            </a:r>
+            <a:r>
+              <a:rPr lang="fr-FR" dirty="0" smtClean="0"/>
+              <a:t> </a:t>
+            </a:r>
+            <a:r>
+              <a:rPr lang="fr-FR" dirty="0" err="1" smtClean="0"/>
+              <a:t>Packet</a:t>
+            </a:r>
+            <a:r>
+              <a:rPr lang="fr-FR" dirty="0" smtClean="0"/>
+              <a:t> </a:t>
+            </a:r>
+            <a:r>
+              <a:rPr lang="fr-FR" dirty="0" err="1" smtClean="0"/>
+              <a:t>Analysis</a:t>
+            </a:r>
+            <a:endParaRPr lang="fr-FR" dirty="0" smtClean="0"/>
+          </a:p>
+          <a:p>
+            <a:r>
+              <a:rPr lang="fr-FR" dirty="0" smtClean="0"/>
+              <a:t>M. </a:t>
+            </a:r>
+            <a:r>
+              <a:rPr lang="fr-FR" dirty="0" err="1" smtClean="0"/>
+              <a:t>Summerfield</a:t>
+            </a:r>
+            <a:r>
+              <a:rPr lang="fr-FR" dirty="0" smtClean="0"/>
+              <a:t> - Rapid GUI </a:t>
+            </a:r>
+            <a:r>
+              <a:rPr lang="fr-FR" dirty="0" err="1" smtClean="0"/>
+              <a:t>Programming</a:t>
+            </a:r>
+            <a:r>
+              <a:rPr lang="fr-FR" dirty="0" smtClean="0"/>
+              <a:t> </a:t>
+            </a:r>
+            <a:r>
+              <a:rPr lang="fr-FR" dirty="0" err="1" smtClean="0"/>
+              <a:t>with</a:t>
+            </a:r>
+            <a:r>
+              <a:rPr lang="fr-FR" dirty="0" smtClean="0"/>
+              <a:t> Python and </a:t>
+            </a:r>
+            <a:r>
+              <a:rPr lang="fr-FR" dirty="0" err="1" smtClean="0"/>
+              <a:t>Qt</a:t>
+            </a:r>
+            <a:endParaRPr lang="fr-FR" dirty="0" smtClean="0"/>
+          </a:p>
+          <a:p>
+            <a:r>
+              <a:rPr lang="fr-FR" dirty="0" smtClean="0"/>
+              <a:t>R. Marty - </a:t>
+            </a:r>
+            <a:r>
+              <a:rPr lang="fr-FR" dirty="0" err="1" smtClean="0"/>
+              <a:t>Applied</a:t>
+            </a:r>
+            <a:r>
+              <a:rPr lang="fr-FR" dirty="0" smtClean="0"/>
+              <a:t> Security </a:t>
+            </a:r>
+            <a:r>
+              <a:rPr lang="fr-FR" dirty="0" err="1" smtClean="0"/>
+              <a:t>Visualization</a:t>
+            </a:r>
+            <a:endParaRPr lang="fr-FR" dirty="0" smtClean="0"/>
+          </a:p>
+          <a:p>
+            <a:r>
+              <a:rPr lang="fr-FR" dirty="0" smtClean="0"/>
+              <a:t>M. </a:t>
+            </a:r>
+            <a:r>
+              <a:rPr lang="fr-FR" dirty="0" err="1" smtClean="0"/>
+              <a:t>Shahrulniza</a:t>
+            </a:r>
+            <a:r>
+              <a:rPr lang="fr-FR" dirty="0" smtClean="0"/>
+              <a:t> - </a:t>
+            </a:r>
+            <a:r>
+              <a:rPr lang="fr-FR" dirty="0" err="1" smtClean="0"/>
+              <a:t>Visualising</a:t>
+            </a:r>
+            <a:r>
+              <a:rPr lang="fr-FR" dirty="0" smtClean="0"/>
+              <a:t> network </a:t>
+            </a:r>
+            <a:r>
+              <a:rPr lang="fr-FR" dirty="0" err="1" smtClean="0"/>
+              <a:t>security</a:t>
+            </a:r>
+            <a:r>
+              <a:rPr lang="fr-FR" dirty="0" smtClean="0"/>
+              <a:t> </a:t>
+            </a:r>
+            <a:r>
+              <a:rPr lang="fr-FR" dirty="0" err="1" smtClean="0"/>
+              <a:t>attacks</a:t>
+            </a:r>
+            <a:r>
+              <a:rPr lang="fr-FR" dirty="0" smtClean="0"/>
+              <a:t> </a:t>
+            </a:r>
+            <a:r>
+              <a:rPr lang="fr-FR" dirty="0" err="1" smtClean="0"/>
+              <a:t>with</a:t>
+            </a:r>
+            <a:r>
+              <a:rPr lang="fr-FR" dirty="0" smtClean="0"/>
+              <a:t> multiple 3D visualisation and false </a:t>
+            </a:r>
+            <a:r>
+              <a:rPr lang="fr-FR" dirty="0" err="1" smtClean="0"/>
+              <a:t>alert</a:t>
+            </a:r>
+            <a:r>
+              <a:rPr lang="fr-FR" dirty="0" smtClean="0"/>
+              <a:t> classification</a:t>
+            </a:r>
+            <a:endParaRPr lang="fr-FR" dirty="0"/>
+          </a:p>
+        </p:txBody>
+      </p:sp>
+      <p:sp>
+        <p:nvSpPr>
+          <p:cNvPr id="4" name="Espace réservé du pied de page 3"/>
+          <p:cNvSpPr>
+            <a:spLocks noGrp="1"/>
+          </p:cNvSpPr>
+          <p:nvPr>
+            <p:ph type="ftr" sz="quarter" idx="11"/>
+          </p:nvPr>
+        </p:nvSpPr>
+        <p:spPr/>
+        <p:txBody>
+          <a:bodyPr/>
+          <a:lstStyle/>
+          <a:p>
+            <a:r>
+              <a:rPr lang="en-US" smtClean="0"/>
+              <a:t>Visualisation de capture réseau</a:t>
+            </a:r>
+            <a:endParaRPr lang="en-US" dirty="0"/>
+          </a:p>
+        </p:txBody>
+      </p:sp>
+      <p:sp>
+        <p:nvSpPr>
+          <p:cNvPr id="5" name="Espace réservé du numéro de diapositive 4"/>
+          <p:cNvSpPr>
+            <a:spLocks noGrp="1"/>
+          </p:cNvSpPr>
+          <p:nvPr>
+            <p:ph type="sldNum" sz="quarter" idx="12"/>
+          </p:nvPr>
+        </p:nvSpPr>
+        <p:spPr/>
+        <p:txBody>
+          <a:bodyPr/>
+          <a:lstStyle/>
+          <a:p>
+            <a:fld id="{D57F1E4F-1CFF-5643-939E-217C01CDF565}" type="slidenum">
+              <a:rPr lang="en-US" smtClean="0"/>
+              <a:pPr/>
+              <a:t>20</a:t>
+            </a:fld>
+            <a:endParaRPr lang="en-US" dirty="0"/>
+          </a:p>
+        </p:txBody>
+      </p:sp>
+    </p:spTree>
+    <p:extLst>
+      <p:ext uri="{BB962C8B-B14F-4D97-AF65-F5344CB8AC3E}">
+        <p14:creationId xmlns:p14="http://schemas.microsoft.com/office/powerpoint/2010/main" val="3866711292"/>
+      </p:ext>
+    </p:extLst>
+  </p:cSld>
+  <p:clrMapOvr>
+    <a:masterClrMapping/>
+  </p:clrMapOvr>
+</p:sld>
+</file>
+
+<file path=ppt/slides/slide21.xml><?xml version="1.0" encoding="utf-8"?>
+<p:sld xmlns:a="http://schemas.openxmlformats.org/drawingml/2006/main" xmlns:r="http://schemas.openxmlformats.org/officeDocument/2006/relationships" xmlns:p="http://schemas.openxmlformats.org/presentationml/2006/main">
+  <p:cSld>
+    <p:spTree>
+      <p:nvGrpSpPr>
+        <p:cNvPr id="1" name=""/>
+        <p:cNvGrpSpPr/>
+        <p:nvPr/>
+      </p:nvGrpSpPr>
+      <p:grpSpPr>
+        <a:xfrm>
+          <a:off x="0" y="0"/>
+          <a:ext cx="0" cy="0"/>
+          <a:chOff x="0" y="0"/>
+          <a:chExt cx="0" cy="0"/>
+        </a:xfrm>
+      </p:grpSpPr>
+      <p:sp>
+        <p:nvSpPr>
+          <p:cNvPr id="2" name="Titre 1"/>
+          <p:cNvSpPr>
+            <a:spLocks noGrp="1"/>
+          </p:cNvSpPr>
+          <p:nvPr>
+            <p:ph type="ctrTitle"/>
+          </p:nvPr>
+        </p:nvSpPr>
+        <p:spPr/>
+        <p:txBody>
+          <a:bodyPr/>
+          <a:lstStyle/>
+          <a:p>
+            <a:r>
+              <a:rPr lang="fr-FR" dirty="0" smtClean="0"/>
+              <a:t>A bientôt !</a:t>
+            </a:r>
+            <a:endParaRPr lang="fr-FR" dirty="0"/>
+          </a:p>
+        </p:txBody>
+      </p:sp>
+      <p:sp>
+        <p:nvSpPr>
+          <p:cNvPr id="4" name="Espace réservé du numéro de diapositive 3"/>
+          <p:cNvSpPr>
+            <a:spLocks noGrp="1"/>
+          </p:cNvSpPr>
+          <p:nvPr>
+            <p:ph type="sldNum" sz="quarter" idx="12"/>
+          </p:nvPr>
+        </p:nvSpPr>
+        <p:spPr/>
+        <p:txBody>
+          <a:bodyPr/>
+          <a:lstStyle/>
+          <a:p>
+            <a:fld id="{D57F1E4F-1CFF-5643-939E-217C01CDF565}" type="slidenum">
+              <a:rPr lang="en-US" smtClean="0"/>
+              <a:pPr/>
+              <a:t>21</a:t>
+            </a:fld>
+            <a:endParaRPr lang="en-US" dirty="0"/>
+          </a:p>
+        </p:txBody>
+      </p:sp>
+    </p:spTree>
+    <p:extLst>
+      <p:ext uri="{BB962C8B-B14F-4D97-AF65-F5344CB8AC3E}">
+        <p14:creationId xmlns:p14="http://schemas.microsoft.com/office/powerpoint/2010/main" val="4275992846"/>
       </p:ext>
     </p:extLst>
   </p:cSld>

--- a/Outils de visualisation de capture réseau.pptx
+++ b/Outils de visualisation de capture réseau.pptx
@@ -6759,25 +6759,6 @@
           </a:p>
         </p:txBody>
       </p:sp>
-      <p:sp>
-        <p:nvSpPr>
-          <p:cNvPr id="5" name="Espace réservé du pied de page 4"/>
-          <p:cNvSpPr>
-            <a:spLocks noGrp="1"/>
-          </p:cNvSpPr>
-          <p:nvPr>
-            <p:ph type="ftr" sz="quarter" idx="11"/>
-          </p:nvPr>
-        </p:nvSpPr>
-        <p:spPr/>
-        <p:txBody>
-          <a:bodyPr/>
-          <a:lstStyle/>
-          <a:p>
-            <a:endParaRPr lang="en-US" dirty="0"/>
-          </a:p>
-        </p:txBody>
-      </p:sp>
     </p:spTree>
     <p:extLst>
       <p:ext uri="{BB962C8B-B14F-4D97-AF65-F5344CB8AC3E}">
@@ -9829,6 +9810,13 @@
   <p:clrMapOvr>
     <a:masterClrMapping/>
   </p:clrMapOvr>
+  <p:timing>
+    <p:tnLst>
+      <p:par>
+        <p:cTn id="1" dur="indefinite" restart="never" nodeType="tmRoot"/>
+      </p:par>
+    </p:tnLst>
+  </p:timing>
 </p:sld>
 </file>
 
